--- a/docs/part1ca/12_MMIO/CA_Lecture_12.pptx
+++ b/docs/part1ca/12_MMIO/CA_Lecture_12.pptx
@@ -5,24 +5,28 @@
     <p:sldMasterId id="2147483648" r:id="rId1"/>
   </p:sldMasterIdLst>
   <p:notesMasterIdLst>
-    <p:notesMasterId r:id="rId14"/>
+    <p:notesMasterId r:id="rId18"/>
   </p:notesMasterIdLst>
   <p:handoutMasterIdLst>
-    <p:handoutMasterId r:id="rId15"/>
+    <p:handoutMasterId r:id="rId19"/>
   </p:handoutMasterIdLst>
   <p:sldIdLst>
     <p:sldId id="256" r:id="rId2"/>
     <p:sldId id="364" r:id="rId3"/>
     <p:sldId id="365" r:id="rId4"/>
     <p:sldId id="368" r:id="rId5"/>
-    <p:sldId id="367" r:id="rId6"/>
-    <p:sldId id="370" r:id="rId7"/>
-    <p:sldId id="369" r:id="rId8"/>
-    <p:sldId id="362" r:id="rId9"/>
-    <p:sldId id="363" r:id="rId10"/>
-    <p:sldId id="371" r:id="rId11"/>
-    <p:sldId id="372" r:id="rId12"/>
-    <p:sldId id="272" r:id="rId13"/>
+    <p:sldId id="373" r:id="rId6"/>
+    <p:sldId id="374" r:id="rId7"/>
+    <p:sldId id="367" r:id="rId8"/>
+    <p:sldId id="375" r:id="rId9"/>
+    <p:sldId id="376" r:id="rId10"/>
+    <p:sldId id="370" r:id="rId11"/>
+    <p:sldId id="369" r:id="rId12"/>
+    <p:sldId id="362" r:id="rId13"/>
+    <p:sldId id="363" r:id="rId14"/>
+    <p:sldId id="371" r:id="rId15"/>
+    <p:sldId id="372" r:id="rId16"/>
+    <p:sldId id="272" r:id="rId17"/>
   </p:sldIdLst>
   <p:sldSz cx="12192000" cy="6858000"/>
   <p:notesSz cx="6858000" cy="9144000"/>
@@ -245,7 +249,7 @@
             <a:fld id="{D0106195-8D78-4F6F-B8E4-FA67975ACEF5}" type="datetimeFigureOut">
               <a:rPr lang="ru-RU" smtClean="0"/>
               <a:pPr/>
-              <a:t>12.02.2023</a:t>
+              <a:t>21.02.2023</a:t>
             </a:fld>
             <a:endParaRPr lang="ru-RU"/>
           </a:p>
@@ -413,7 +417,7 @@
             <a:fld id="{878212F1-C3D9-4F2B-8F42-5E960FE8BE51}" type="datetimeFigureOut">
               <a:rPr lang="ru-RU" smtClean="0"/>
               <a:pPr/>
-              <a:t>12.02.2023</a:t>
+              <a:t>21.02.2023</a:t>
             </a:fld>
             <a:endParaRPr lang="ru-RU"/>
           </a:p>
@@ -910,7 +914,7 @@
             <a:fld id="{5583B3A5-99BF-45D9-956B-DC57CC23AD97}" type="slidenum">
               <a:rPr lang="ru-RU" smtClean="0"/>
               <a:pPr/>
-              <a:t>12</a:t>
+              <a:t>16</a:t>
             </a:fld>
             <a:endParaRPr lang="ru-RU"/>
           </a:p>
@@ -4089,16 +4093,12 @@
               <a:rPr lang="en-US" b="1" dirty="0" smtClean="0"/>
             </a:br>
             <a:r>
+              <a:rPr lang="en-US" b="1" dirty="0" smtClean="0"/>
+              <a:t>Lecture 12: </a:t>
+            </a:r>
+            <a:r>
               <a:rPr lang="en-US" b="1" smtClean="0"/>
-              <a:t>Lecture </a:t>
-            </a:r>
-            <a:r>
-              <a:rPr lang="en-US" b="1" smtClean="0"/>
-              <a:t>12: </a:t>
-            </a:r>
-            <a:r>
-              <a:rPr lang="en-US" b="1" dirty="0" smtClean="0"/>
-              <a:t>Memory-Mapped I/O (MMIO)</a:t>
+              <a:t>Input/Output</a:t>
             </a:r>
             <a:endParaRPr lang="ru-RU" b="1" dirty="0"/>
           </a:p>
@@ -4255,2150 +4255,6 @@
               <a:rPr lang="ru-RU" smtClean="0"/>
               <a:pPr algn="ctr"/>
               <a:t>10</a:t>
-            </a:fld>
-            <a:endParaRPr lang="ru-RU" dirty="0"/>
-          </a:p>
-        </p:txBody>
-      </p:sp>
-      <p:sp>
-        <p:nvSpPr>
-          <p:cNvPr id="4" name="Заголовок 3"/>
-          <p:cNvSpPr>
-            <a:spLocks noGrp="1"/>
-          </p:cNvSpPr>
-          <p:nvPr>
-            <p:ph type="title"/>
-          </p:nvPr>
-        </p:nvSpPr>
-        <p:spPr/>
-        <p:txBody>
-          <a:bodyPr/>
-          <a:lstStyle/>
-          <a:p>
-            <a:r>
-              <a:rPr lang="en-US" dirty="0" smtClean="0"/>
-              <a:t>Example: RARS Digital Lab </a:t>
-            </a:r>
-            <a:r>
-              <a:rPr lang="en-US" dirty="0" err="1" smtClean="0"/>
-              <a:t>Sim</a:t>
-            </a:r>
-            <a:endParaRPr lang="ru-RU" dirty="0"/>
-          </a:p>
-        </p:txBody>
-      </p:sp>
-      <p:pic>
-        <p:nvPicPr>
-          <p:cNvPr id="7" name="Рисунок 6" descr="Screenshot 2021-02-03 at 15.53.53.png"/>
-          <p:cNvPicPr>
-            <a:picLocks noChangeAspect="1"/>
-          </p:cNvPicPr>
-          <p:nvPr/>
-        </p:nvPicPr>
-        <p:blipFill>
-          <a:blip r:embed="rId2" cstate="print"/>
-          <a:stretch>
-            <a:fillRect/>
-          </a:stretch>
-        </p:blipFill>
-        <p:spPr>
-          <a:xfrm>
-            <a:off x="809856" y="1299939"/>
-            <a:ext cx="5856923" cy="4705350"/>
-          </a:xfrm>
-          <a:prstGeom prst="rect">
-            <a:avLst/>
-          </a:prstGeom>
-        </p:spPr>
-      </p:pic>
-      <p:sp>
-        <p:nvSpPr>
-          <p:cNvPr id="8" name="Содержимое 1"/>
-          <p:cNvSpPr>
-            <a:spLocks noGrp="1"/>
-          </p:cNvSpPr>
-          <p:nvPr>
-            <p:ph idx="1"/>
-          </p:nvPr>
-        </p:nvSpPr>
-        <p:spPr>
-          <a:xfrm>
-            <a:off x="6807200" y="1163540"/>
-            <a:ext cx="4789714" cy="5251774"/>
-          </a:xfrm>
-        </p:spPr>
-        <p:txBody>
-          <a:bodyPr>
-            <a:noAutofit/>
-          </a:bodyPr>
-          <a:lstStyle/>
-          <a:p>
-            <a:pPr marL="0" indent="0">
-              <a:buNone/>
-            </a:pPr>
-            <a:r>
-              <a:rPr lang="en-US" sz="2400" b="1" dirty="0" smtClean="0"/>
-              <a:t>Seven segment display</a:t>
-            </a:r>
-          </a:p>
-          <a:p>
-            <a:pPr marL="0" indent="0"/>
-            <a:r>
-              <a:rPr lang="en-US" sz="2400" dirty="0" smtClean="0"/>
-              <a:t>Byte value at address </a:t>
-            </a:r>
-            <a:r>
-              <a:rPr lang="en-US" sz="2400" b="1" dirty="0" smtClean="0">
-                <a:solidFill>
-                  <a:srgbClr val="F3B217"/>
-                </a:solidFill>
-              </a:rPr>
-              <a:t>0xffff0010</a:t>
-            </a:r>
-            <a:r>
-              <a:rPr lang="en-US" sz="2400" dirty="0" smtClean="0"/>
-              <a:t>: command right segment display </a:t>
-            </a:r>
-          </a:p>
-          <a:p>
-            <a:pPr marL="0" indent="0"/>
-            <a:r>
-              <a:rPr lang="en-US" sz="2400" dirty="0" smtClean="0"/>
-              <a:t>Byte value at address </a:t>
-            </a:r>
-            <a:r>
-              <a:rPr lang="en-US" sz="2400" b="1" dirty="0" smtClean="0">
-                <a:solidFill>
-                  <a:srgbClr val="F3B217"/>
-                </a:solidFill>
-              </a:rPr>
-              <a:t>0xffff0011</a:t>
-            </a:r>
-            <a:r>
-              <a:rPr lang="en-US" sz="2400" dirty="0" smtClean="0"/>
-              <a:t>: command left segment display </a:t>
-            </a:r>
-          </a:p>
-          <a:p>
-            <a:pPr marL="0" indent="0">
-              <a:buNone/>
-            </a:pPr>
-            <a:r>
-              <a:rPr lang="en-US" sz="2400" b="1" dirty="0" smtClean="0"/>
-              <a:t>Hexadecimal keyboard</a:t>
-            </a:r>
-          </a:p>
-          <a:p>
-            <a:pPr marL="0" indent="0"/>
-            <a:r>
-              <a:rPr lang="en-US" sz="2400" dirty="0" smtClean="0"/>
-              <a:t>Byte value at address </a:t>
-            </a:r>
-            <a:r>
-              <a:rPr lang="en-US" sz="2400" b="1" dirty="0" smtClean="0">
-                <a:solidFill>
-                  <a:srgbClr val="F3B217"/>
-                </a:solidFill>
-              </a:rPr>
-              <a:t>0xffff0012</a:t>
-            </a:r>
-            <a:r>
-              <a:rPr lang="en-US" sz="2400" dirty="0" smtClean="0"/>
-              <a:t>: command row number of hexadecimal keyboard (bit 0 to 3) and enable keyboard interrupt (bit 7)</a:t>
-            </a:r>
-          </a:p>
-          <a:p>
-            <a:pPr marL="0" indent="0"/>
-            <a:r>
-              <a:rPr lang="en-US" sz="2400" dirty="0" smtClean="0"/>
-              <a:t>Byte value at address </a:t>
-            </a:r>
-            <a:r>
-              <a:rPr lang="en-US" sz="2400" b="1" dirty="0" smtClean="0">
-                <a:solidFill>
-                  <a:srgbClr val="F3B217"/>
-                </a:solidFill>
-              </a:rPr>
-              <a:t>0xffff0014</a:t>
-            </a:r>
-            <a:r>
-              <a:rPr lang="en-US" sz="2400" dirty="0" smtClean="0"/>
-              <a:t>: receive row and column of the key pressed, 0 if not key pressed</a:t>
-            </a:r>
-            <a:endParaRPr lang="ru-RU" sz="2400" dirty="0"/>
-          </a:p>
-        </p:txBody>
-      </p:sp>
-    </p:spTree>
-  </p:cSld>
-  <p:clrMapOvr>
-    <a:masterClrMapping/>
-  </p:clrMapOvr>
-  <p:timing>
-    <p:tnLst>
-      <p:par>
-        <p:cTn id="1" dur="indefinite" restart="never" nodeType="tmRoot"/>
-      </p:par>
-    </p:tnLst>
-  </p:timing>
-</p:sld>
-</file>
-
-<file path=ppt/slides/slide11.xml><?xml version="1.0" encoding="utf-8"?>
-<p:sld xmlns:a="http://schemas.openxmlformats.org/drawingml/2006/main" xmlns:r="http://schemas.openxmlformats.org/officeDocument/2006/relationships" xmlns:p="http://schemas.openxmlformats.org/presentationml/2006/main">
-  <p:cSld>
-    <p:spTree>
-      <p:nvGrpSpPr>
-        <p:cNvPr id="1" name=""/>
-        <p:cNvGrpSpPr/>
-        <p:nvPr/>
-      </p:nvGrpSpPr>
-      <p:grpSpPr>
-        <a:xfrm>
-          <a:off x="0" y="0"/>
-          <a:ext cx="0" cy="0"/>
-          <a:chOff x="0" y="0"/>
-          <a:chExt cx="0" cy="0"/>
-        </a:xfrm>
-      </p:grpSpPr>
-      <p:sp>
-        <p:nvSpPr>
-          <p:cNvPr id="3" name="Номер слайда 2"/>
-          <p:cNvSpPr>
-            <a:spLocks noGrp="1"/>
-          </p:cNvSpPr>
-          <p:nvPr>
-            <p:ph type="sldNum" sz="quarter" idx="12"/>
-          </p:nvPr>
-        </p:nvSpPr>
-        <p:spPr/>
-        <p:txBody>
-          <a:bodyPr/>
-          <a:lstStyle/>
-          <a:p>
-            <a:pPr algn="ctr"/>
-            <a:fld id="{1397BFD8-F312-4EF2-A268-44FB4BDDBBB0}" type="slidenum">
-              <a:rPr lang="ru-RU" smtClean="0"/>
-              <a:pPr algn="ctr"/>
-              <a:t>11</a:t>
-            </a:fld>
-            <a:endParaRPr lang="ru-RU" dirty="0"/>
-          </a:p>
-        </p:txBody>
-      </p:sp>
-      <p:sp>
-        <p:nvSpPr>
-          <p:cNvPr id="4" name="Заголовок 3"/>
-          <p:cNvSpPr>
-            <a:spLocks noGrp="1"/>
-          </p:cNvSpPr>
-          <p:nvPr>
-            <p:ph type="title"/>
-          </p:nvPr>
-        </p:nvSpPr>
-        <p:spPr/>
-        <p:txBody>
-          <a:bodyPr/>
-          <a:lstStyle/>
-          <a:p>
-            <a:r>
-              <a:rPr lang="en-US" dirty="0" smtClean="0"/>
-              <a:t>Example: RARS Bitmap Display</a:t>
-            </a:r>
-            <a:endParaRPr lang="ru-RU" dirty="0"/>
-          </a:p>
-        </p:txBody>
-      </p:sp>
-      <p:pic>
-        <p:nvPicPr>
-          <p:cNvPr id="5" name="Рисунок 4" descr="Screenshot 2021-02-03 at 18.00.26.png"/>
-          <p:cNvPicPr>
-            <a:picLocks noChangeAspect="1"/>
-          </p:cNvPicPr>
-          <p:nvPr/>
-        </p:nvPicPr>
-        <p:blipFill>
-          <a:blip r:embed="rId2" cstate="print"/>
-          <a:stretch>
-            <a:fillRect/>
-          </a:stretch>
-        </p:blipFill>
-        <p:spPr>
-          <a:xfrm>
-            <a:off x="2362206" y="1178835"/>
-            <a:ext cx="7818120" cy="5434965"/>
-          </a:xfrm>
-          <a:prstGeom prst="rect">
-            <a:avLst/>
-          </a:prstGeom>
-        </p:spPr>
-      </p:pic>
-    </p:spTree>
-  </p:cSld>
-  <p:clrMapOvr>
-    <a:masterClrMapping/>
-  </p:clrMapOvr>
-  <p:timing>
-    <p:tnLst>
-      <p:par>
-        <p:cTn id="1" dur="indefinite" restart="never" nodeType="tmRoot"/>
-      </p:par>
-    </p:tnLst>
-  </p:timing>
-</p:sld>
-</file>
-
-<file path=ppt/slides/slide12.xml><?xml version="1.0" encoding="utf-8"?>
-<p:sld xmlns:a="http://schemas.openxmlformats.org/drawingml/2006/main" xmlns:r="http://schemas.openxmlformats.org/officeDocument/2006/relationships" xmlns:p="http://schemas.openxmlformats.org/presentationml/2006/main">
-  <p:cSld>
-    <p:spTree>
-      <p:nvGrpSpPr>
-        <p:cNvPr id="1" name=""/>
-        <p:cNvGrpSpPr/>
-        <p:nvPr/>
-      </p:nvGrpSpPr>
-      <p:grpSpPr>
-        <a:xfrm>
-          <a:off x="0" y="0"/>
-          <a:ext cx="0" cy="0"/>
-          <a:chOff x="0" y="0"/>
-          <a:chExt cx="0" cy="0"/>
-        </a:xfrm>
-      </p:grpSpPr>
-      <p:sp>
-        <p:nvSpPr>
-          <p:cNvPr id="4" name="Прямоугольник 3"/>
-          <p:cNvSpPr/>
-          <p:nvPr/>
-        </p:nvSpPr>
-        <p:spPr>
-          <a:xfrm>
-            <a:off x="2664999" y="472120"/>
-            <a:ext cx="7524751" cy="5262979"/>
-          </a:xfrm>
-          <a:prstGeom prst="rect">
-            <a:avLst/>
-          </a:prstGeom>
-          <a:noFill/>
-          <a:ln>
-            <a:noFill/>
-          </a:ln>
-          <a:scene3d>
-            <a:camera prst="perspectiveRelaxed"/>
-            <a:lightRig rig="threePt" dir="t"/>
-          </a:scene3d>
-        </p:spPr>
-        <p:txBody>
-          <a:bodyPr wrap="square" lIns="91440" tIns="45720" rIns="91440" bIns="45720">
-            <a:spAutoFit/>
-          </a:bodyPr>
-          <a:lstStyle/>
-          <a:p>
-            <a:r>
-              <a:rPr lang="en-US" sz="2400" dirty="0" smtClean="0">
-                <a:ln w="0"/>
-                <a:solidFill>
-                  <a:srgbClr val="273272"/>
-                </a:solidFill>
-                <a:effectLst>
-                  <a:reflection blurRad="6350" stA="53000" endA="300" endPos="35500" dir="5400000" sy="-90000" algn="bl" rotWithShape="0"/>
-                </a:effectLst>
-                <a:latin typeface="Courier New" pitchFamily="49" charset="0"/>
-                <a:cs typeface="Courier New" pitchFamily="49" charset="0"/>
-              </a:rPr>
-              <a:t>		</a:t>
-            </a:r>
-          </a:p>
-          <a:p>
-            <a:r>
-              <a:rPr lang="en-US" sz="2400" dirty="0" smtClean="0">
-                <a:ln w="0"/>
-                <a:solidFill>
-                  <a:srgbClr val="273272"/>
-                </a:solidFill>
-                <a:effectLst>
-                  <a:reflection blurRad="6350" stA="53000" endA="300" endPos="35500" dir="5400000" sy="-90000" algn="bl" rotWithShape="0"/>
-                </a:effectLst>
-                <a:latin typeface="Courier New" pitchFamily="49" charset="0"/>
-                <a:cs typeface="Courier New" pitchFamily="49" charset="0"/>
-              </a:rPr>
-              <a:t>		.text</a:t>
-            </a:r>
-          </a:p>
-          <a:p>
-            <a:r>
-              <a:rPr lang="en-US" sz="2400" dirty="0" smtClean="0">
-                <a:ln w="0"/>
-                <a:solidFill>
-                  <a:srgbClr val="273272"/>
-                </a:solidFill>
-                <a:effectLst>
-                  <a:reflection blurRad="6350" stA="53000" endA="300" endPos="35500" dir="5400000" sy="-90000" algn="bl" rotWithShape="0"/>
-                </a:effectLst>
-                <a:latin typeface="Courier New" pitchFamily="49" charset="0"/>
-                <a:cs typeface="Courier New" pitchFamily="49" charset="0"/>
-              </a:rPr>
-              <a:t>__start:	addi t1, zero, 0x18</a:t>
-            </a:r>
-          </a:p>
-          <a:p>
-            <a:r>
-              <a:rPr lang="en-US" sz="2400" dirty="0" smtClean="0">
-                <a:ln w="0"/>
-                <a:solidFill>
-                  <a:srgbClr val="273272"/>
-                </a:solidFill>
-                <a:effectLst>
-                  <a:reflection blurRad="6350" stA="53000" endA="300" endPos="35500" dir="5400000" sy="-90000" algn="bl" rotWithShape="0"/>
-                </a:effectLst>
-                <a:latin typeface="Courier New" pitchFamily="49" charset="0"/>
-                <a:cs typeface="Courier New" pitchFamily="49" charset="0"/>
-              </a:rPr>
-              <a:t>		addi t2, zero, 0x21</a:t>
-            </a:r>
-          </a:p>
-          <a:p>
-            <a:r>
-              <a:rPr lang="en-US" sz="2400" dirty="0" smtClean="0">
-                <a:ln w="0"/>
-                <a:solidFill>
-                  <a:srgbClr val="273272"/>
-                </a:solidFill>
-                <a:effectLst>
-                  <a:reflection blurRad="6350" stA="53000" endA="300" endPos="35500" dir="5400000" sy="-90000" algn="bl" rotWithShape="0"/>
-                </a:effectLst>
-                <a:latin typeface="Courier New" pitchFamily="49" charset="0"/>
-                <a:cs typeface="Courier New" pitchFamily="49" charset="0"/>
-              </a:rPr>
-              <a:t>cycle:	</a:t>
-            </a:r>
-            <a:r>
-              <a:rPr lang="en-US" sz="2400" dirty="0" err="1" smtClean="0">
-                <a:ln w="0"/>
-                <a:solidFill>
-                  <a:srgbClr val="273272"/>
-                </a:solidFill>
-                <a:effectLst>
-                  <a:reflection blurRad="6350" stA="53000" endA="300" endPos="35500" dir="5400000" sy="-90000" algn="bl" rotWithShape="0"/>
-                </a:effectLst>
-                <a:latin typeface="Courier New" pitchFamily="49" charset="0"/>
-                <a:cs typeface="Courier New" pitchFamily="49" charset="0"/>
-              </a:rPr>
-              <a:t>beq</a:t>
-            </a:r>
-            <a:r>
-              <a:rPr lang="en-US" sz="2400" dirty="0" smtClean="0">
-                <a:ln w="0"/>
-                <a:solidFill>
-                  <a:srgbClr val="273272"/>
-                </a:solidFill>
-                <a:effectLst>
-                  <a:reflection blurRad="6350" stA="53000" endA="300" endPos="35500" dir="5400000" sy="-90000" algn="bl" rotWithShape="0"/>
-                </a:effectLst>
-                <a:latin typeface="Courier New" pitchFamily="49" charset="0"/>
-                <a:cs typeface="Courier New" pitchFamily="49" charset="0"/>
-              </a:rPr>
-              <a:t> t1, t2, done</a:t>
-            </a:r>
-          </a:p>
-          <a:p>
-            <a:r>
-              <a:rPr lang="en-US" sz="2400" dirty="0" smtClean="0">
-                <a:ln w="0"/>
-                <a:solidFill>
-                  <a:srgbClr val="273272"/>
-                </a:solidFill>
-                <a:effectLst>
-                  <a:reflection blurRad="6350" stA="53000" endA="300" endPos="35500" dir="5400000" sy="-90000" algn="bl" rotWithShape="0"/>
-                </a:effectLst>
-                <a:latin typeface="Courier New" pitchFamily="49" charset="0"/>
-                <a:cs typeface="Courier New" pitchFamily="49" charset="0"/>
-              </a:rPr>
-              <a:t>		</a:t>
-            </a:r>
-            <a:r>
-              <a:rPr lang="en-US" sz="2400" dirty="0" err="1" smtClean="0">
-                <a:ln w="0"/>
-                <a:solidFill>
-                  <a:srgbClr val="273272"/>
-                </a:solidFill>
-                <a:effectLst>
-                  <a:reflection blurRad="6350" stA="53000" endA="300" endPos="35500" dir="5400000" sy="-90000" algn="bl" rotWithShape="0"/>
-                </a:effectLst>
-                <a:latin typeface="Courier New" pitchFamily="49" charset="0"/>
-                <a:cs typeface="Courier New" pitchFamily="49" charset="0"/>
-              </a:rPr>
-              <a:t>slt</a:t>
-            </a:r>
-            <a:r>
-              <a:rPr lang="en-US" sz="2400" dirty="0" smtClean="0">
-                <a:ln w="0"/>
-                <a:solidFill>
-                  <a:srgbClr val="273272"/>
-                </a:solidFill>
-                <a:effectLst>
-                  <a:reflection blurRad="6350" stA="53000" endA="300" endPos="35500" dir="5400000" sy="-90000" algn="bl" rotWithShape="0"/>
-                </a:effectLst>
-                <a:latin typeface="Courier New" pitchFamily="49" charset="0"/>
-                <a:cs typeface="Courier New" pitchFamily="49" charset="0"/>
-              </a:rPr>
-              <a:t> t0, t1, t2</a:t>
-            </a:r>
-          </a:p>
-          <a:p>
-            <a:r>
-              <a:rPr lang="en-US" sz="2400" dirty="0" smtClean="0">
-                <a:ln w="0"/>
-                <a:solidFill>
-                  <a:srgbClr val="273272"/>
-                </a:solidFill>
-                <a:effectLst>
-                  <a:reflection blurRad="6350" stA="53000" endA="300" endPos="35500" dir="5400000" sy="-90000" algn="bl" rotWithShape="0"/>
-                </a:effectLst>
-                <a:latin typeface="Courier New" pitchFamily="49" charset="0"/>
-                <a:cs typeface="Courier New" pitchFamily="49" charset="0"/>
-              </a:rPr>
-              <a:t>		</a:t>
-            </a:r>
-            <a:r>
-              <a:rPr lang="en-US" sz="2400" dirty="0" err="1" smtClean="0">
-                <a:ln w="0"/>
-                <a:solidFill>
-                  <a:srgbClr val="273272"/>
-                </a:solidFill>
-                <a:effectLst>
-                  <a:reflection blurRad="6350" stA="53000" endA="300" endPos="35500" dir="5400000" sy="-90000" algn="bl" rotWithShape="0"/>
-                </a:effectLst>
-                <a:latin typeface="Courier New" pitchFamily="49" charset="0"/>
-                <a:cs typeface="Courier New" pitchFamily="49" charset="0"/>
-              </a:rPr>
-              <a:t>bne</a:t>
-            </a:r>
-            <a:r>
-              <a:rPr lang="en-US" sz="2400" dirty="0" smtClean="0">
-                <a:ln w="0"/>
-                <a:solidFill>
-                  <a:srgbClr val="273272"/>
-                </a:solidFill>
-                <a:effectLst>
-                  <a:reflection blurRad="6350" stA="53000" endA="300" endPos="35500" dir="5400000" sy="-90000" algn="bl" rotWithShape="0"/>
-                </a:effectLst>
-                <a:latin typeface="Courier New" pitchFamily="49" charset="0"/>
-                <a:cs typeface="Courier New" pitchFamily="49" charset="0"/>
-              </a:rPr>
-              <a:t> t0, zero, </a:t>
-            </a:r>
-            <a:r>
-              <a:rPr lang="en-US" sz="2400" dirty="0" err="1" smtClean="0">
-                <a:ln w="0"/>
-                <a:solidFill>
-                  <a:srgbClr val="273272"/>
-                </a:solidFill>
-                <a:effectLst>
-                  <a:reflection blurRad="6350" stA="53000" endA="300" endPos="35500" dir="5400000" sy="-90000" algn="bl" rotWithShape="0"/>
-                </a:effectLst>
-                <a:latin typeface="Courier New" pitchFamily="49" charset="0"/>
-                <a:cs typeface="Courier New" pitchFamily="49" charset="0"/>
-              </a:rPr>
-              <a:t>if_less</a:t>
-            </a:r>
-            <a:endParaRPr lang="en-US" sz="2400" dirty="0" smtClean="0">
-              <a:ln w="0"/>
-              <a:solidFill>
-                <a:srgbClr val="273272"/>
-              </a:solidFill>
-              <a:effectLst>
-                <a:reflection blurRad="6350" stA="53000" endA="300" endPos="35500" dir="5400000" sy="-90000" algn="bl" rotWithShape="0"/>
-              </a:effectLst>
-              <a:latin typeface="Courier New" pitchFamily="49" charset="0"/>
-              <a:cs typeface="Courier New" pitchFamily="49" charset="0"/>
-            </a:endParaRPr>
-          </a:p>
-          <a:p>
-            <a:r>
-              <a:rPr lang="en-US" sz="2400" dirty="0" smtClean="0">
-                <a:ln w="0"/>
-                <a:solidFill>
-                  <a:srgbClr val="273272"/>
-                </a:solidFill>
-                <a:effectLst>
-                  <a:reflection blurRad="6350" stA="53000" endA="300" endPos="35500" dir="5400000" sy="-90000" algn="bl" rotWithShape="0"/>
-                </a:effectLst>
-                <a:latin typeface="Courier New" pitchFamily="49" charset="0"/>
-                <a:cs typeface="Courier New" pitchFamily="49" charset="0"/>
-              </a:rPr>
-              <a:t>		</a:t>
-            </a:r>
-            <a:r>
-              <a:rPr lang="en-US" sz="2400" dirty="0" err="1" smtClean="0">
-                <a:ln w="0"/>
-                <a:solidFill>
-                  <a:srgbClr val="273272"/>
-                </a:solidFill>
-                <a:effectLst>
-                  <a:reflection blurRad="6350" stA="53000" endA="300" endPos="35500" dir="5400000" sy="-90000" algn="bl" rotWithShape="0"/>
-                </a:effectLst>
-                <a:latin typeface="Courier New" pitchFamily="49" charset="0"/>
-                <a:cs typeface="Courier New" pitchFamily="49" charset="0"/>
-              </a:rPr>
-              <a:t>nop</a:t>
-            </a:r>
-            <a:endParaRPr lang="en-US" sz="2400" dirty="0" smtClean="0">
-              <a:ln w="0"/>
-              <a:solidFill>
-                <a:srgbClr val="273272"/>
-              </a:solidFill>
-              <a:effectLst>
-                <a:reflection blurRad="6350" stA="53000" endA="300" endPos="35500" dir="5400000" sy="-90000" algn="bl" rotWithShape="0"/>
-              </a:effectLst>
-              <a:latin typeface="Courier New" pitchFamily="49" charset="0"/>
-              <a:cs typeface="Courier New" pitchFamily="49" charset="0"/>
-            </a:endParaRPr>
-          </a:p>
-          <a:p>
-            <a:r>
-              <a:rPr lang="en-US" sz="2400" dirty="0" smtClean="0">
-                <a:ln w="0"/>
-                <a:solidFill>
-                  <a:srgbClr val="273272"/>
-                </a:solidFill>
-                <a:effectLst>
-                  <a:reflection blurRad="6350" stA="53000" endA="300" endPos="35500" dir="5400000" sy="-90000" algn="bl" rotWithShape="0"/>
-                </a:effectLst>
-                <a:latin typeface="Courier New" pitchFamily="49" charset="0"/>
-                <a:cs typeface="Courier New" pitchFamily="49" charset="0"/>
-              </a:rPr>
-              <a:t>		sub t1, t1, t2</a:t>
-            </a:r>
-          </a:p>
-          <a:p>
-            <a:r>
-              <a:rPr lang="en-US" sz="2400" dirty="0" smtClean="0">
-                <a:ln w="0"/>
-                <a:solidFill>
-                  <a:srgbClr val="273272"/>
-                </a:solidFill>
-                <a:effectLst>
-                  <a:reflection blurRad="6350" stA="53000" endA="300" endPos="35500" dir="5400000" sy="-90000" algn="bl" rotWithShape="0"/>
-                </a:effectLst>
-                <a:latin typeface="Courier New" pitchFamily="49" charset="0"/>
-                <a:cs typeface="Courier New" pitchFamily="49" charset="0"/>
-              </a:rPr>
-              <a:t>		j cycle</a:t>
-            </a:r>
-          </a:p>
-          <a:p>
-            <a:r>
-              <a:rPr lang="en-US" sz="2400" dirty="0" smtClean="0">
-                <a:ln w="0"/>
-                <a:solidFill>
-                  <a:srgbClr val="273272"/>
-                </a:solidFill>
-                <a:effectLst>
-                  <a:reflection blurRad="6350" stA="53000" endA="300" endPos="35500" dir="5400000" sy="-90000" algn="bl" rotWithShape="0"/>
-                </a:effectLst>
-                <a:latin typeface="Courier New" pitchFamily="49" charset="0"/>
-                <a:cs typeface="Courier New" pitchFamily="49" charset="0"/>
-              </a:rPr>
-              <a:t>		</a:t>
-            </a:r>
-            <a:r>
-              <a:rPr lang="en-US" sz="2400" dirty="0" err="1" smtClean="0">
-                <a:ln w="0"/>
-                <a:solidFill>
-                  <a:srgbClr val="273272"/>
-                </a:solidFill>
-                <a:effectLst>
-                  <a:reflection blurRad="6350" stA="53000" endA="300" endPos="35500" dir="5400000" sy="-90000" algn="bl" rotWithShape="0"/>
-                </a:effectLst>
-                <a:latin typeface="Courier New" pitchFamily="49" charset="0"/>
-                <a:cs typeface="Courier New" pitchFamily="49" charset="0"/>
-              </a:rPr>
-              <a:t>nop</a:t>
-            </a:r>
-            <a:endParaRPr lang="en-US" sz="2400" dirty="0" smtClean="0">
-              <a:ln w="0"/>
-              <a:solidFill>
-                <a:srgbClr val="273272"/>
-              </a:solidFill>
-              <a:effectLst>
-                <a:reflection blurRad="6350" stA="53000" endA="300" endPos="35500" dir="5400000" sy="-90000" algn="bl" rotWithShape="0"/>
-              </a:effectLst>
-              <a:latin typeface="Courier New" pitchFamily="49" charset="0"/>
-              <a:cs typeface="Courier New" pitchFamily="49" charset="0"/>
-            </a:endParaRPr>
-          </a:p>
-          <a:p>
-            <a:r>
-              <a:rPr lang="en-US" sz="2400" dirty="0" err="1" smtClean="0">
-                <a:ln w="0"/>
-                <a:solidFill>
-                  <a:srgbClr val="273272"/>
-                </a:solidFill>
-                <a:effectLst>
-                  <a:reflection blurRad="6350" stA="53000" endA="300" endPos="35500" dir="5400000" sy="-90000" algn="bl" rotWithShape="0"/>
-                </a:effectLst>
-                <a:latin typeface="Courier New" pitchFamily="49" charset="0"/>
-                <a:cs typeface="Courier New" pitchFamily="49" charset="0"/>
-              </a:rPr>
-              <a:t>if_less</a:t>
-            </a:r>
-            <a:r>
-              <a:rPr lang="en-US" sz="2400" dirty="0" smtClean="0">
-                <a:ln w="0"/>
-                <a:solidFill>
-                  <a:srgbClr val="273272"/>
-                </a:solidFill>
-                <a:effectLst>
-                  <a:reflection blurRad="6350" stA="53000" endA="300" endPos="35500" dir="5400000" sy="-90000" algn="bl" rotWithShape="0"/>
-                </a:effectLst>
-                <a:latin typeface="Courier New" pitchFamily="49" charset="0"/>
-                <a:cs typeface="Courier New" pitchFamily="49" charset="0"/>
-              </a:rPr>
-              <a:t>:	sub t2, t2, t1</a:t>
-            </a:r>
-          </a:p>
-          <a:p>
-            <a:r>
-              <a:rPr lang="en-US" sz="2400" dirty="0" smtClean="0">
-                <a:ln w="0"/>
-                <a:solidFill>
-                  <a:srgbClr val="273272"/>
-                </a:solidFill>
-                <a:effectLst>
-                  <a:reflection blurRad="6350" stA="53000" endA="300" endPos="35500" dir="5400000" sy="-90000" algn="bl" rotWithShape="0"/>
-                </a:effectLst>
-                <a:latin typeface="Courier New" pitchFamily="49" charset="0"/>
-                <a:cs typeface="Courier New" pitchFamily="49" charset="0"/>
-              </a:rPr>
-              <a:t>		j cycle</a:t>
-            </a:r>
-          </a:p>
-          <a:p>
-            <a:r>
-              <a:rPr lang="en-US" sz="2400" dirty="0" smtClean="0">
-                <a:ln w="0"/>
-                <a:solidFill>
-                  <a:srgbClr val="273272"/>
-                </a:solidFill>
-                <a:effectLst>
-                  <a:reflection blurRad="6350" stA="53000" endA="300" endPos="35500" dir="5400000" sy="-90000" algn="bl" rotWithShape="0"/>
-                </a:effectLst>
-                <a:latin typeface="Courier New" pitchFamily="49" charset="0"/>
-                <a:cs typeface="Courier New" pitchFamily="49" charset="0"/>
-              </a:rPr>
-              <a:t>done:		add t3, t1, zero</a:t>
-            </a:r>
-            <a:endParaRPr lang="ru-RU" sz="2400" b="0" cap="none" spc="0" dirty="0">
-              <a:ln w="0"/>
-              <a:solidFill>
-                <a:srgbClr val="273272"/>
-              </a:solidFill>
-              <a:effectLst>
-                <a:reflection blurRad="6350" stA="53000" endA="300" endPos="35500" dir="5400000" sy="-90000" algn="bl" rotWithShape="0"/>
-              </a:effectLst>
-              <a:latin typeface="Courier New" pitchFamily="49" charset="0"/>
-              <a:cs typeface="Courier New" pitchFamily="49" charset="0"/>
-            </a:endParaRPr>
-          </a:p>
-        </p:txBody>
-      </p:sp>
-      <p:sp>
-        <p:nvSpPr>
-          <p:cNvPr id="2" name="Заголовок 1"/>
-          <p:cNvSpPr>
-            <a:spLocks noGrp="1"/>
-          </p:cNvSpPr>
-          <p:nvPr>
-            <p:ph type="title"/>
-          </p:nvPr>
-        </p:nvSpPr>
-        <p:spPr/>
-        <p:txBody>
-          <a:bodyPr>
-            <a:normAutofit/>
-          </a:bodyPr>
-          <a:lstStyle/>
-          <a:p>
-            <a:r>
-              <a:rPr lang="en-US" dirty="0" smtClean="0"/>
-              <a:t>Any Questions?</a:t>
-            </a:r>
-            <a:endParaRPr lang="ru-RU" sz="4000" dirty="0"/>
-          </a:p>
-        </p:txBody>
-      </p:sp>
-      <p:sp>
-        <p:nvSpPr>
-          <p:cNvPr id="6" name="Номер слайда 5"/>
-          <p:cNvSpPr>
-            <a:spLocks noGrp="1"/>
-          </p:cNvSpPr>
-          <p:nvPr>
-            <p:ph type="sldNum" sz="quarter" idx="12"/>
-          </p:nvPr>
-        </p:nvSpPr>
-        <p:spPr/>
-        <p:txBody>
-          <a:bodyPr/>
-          <a:lstStyle/>
-          <a:p>
-            <a:pPr algn="ctr"/>
-            <a:fld id="{1397BFD8-F312-4EF2-A268-44FB4BDDBBB0}" type="slidenum">
-              <a:rPr lang="ru-RU" smtClean="0"/>
-              <a:pPr algn="ctr"/>
-              <a:t>12</a:t>
-            </a:fld>
-            <a:endParaRPr lang="ru-RU" dirty="0"/>
-          </a:p>
-        </p:txBody>
-      </p:sp>
-    </p:spTree>
-    <p:extLst>
-      <p:ext uri="{BB962C8B-B14F-4D97-AF65-F5344CB8AC3E}">
-        <p14:creationId xmlns:p14="http://schemas.microsoft.com/office/powerpoint/2010/main" val="4217875043"/>
-      </p:ext>
-    </p:extLst>
-  </p:cSld>
-  <p:clrMapOvr>
-    <a:masterClrMapping/>
-  </p:clrMapOvr>
-  <p:timing>
-    <p:tnLst>
-      <p:par>
-        <p:cTn id="1" dur="indefinite" restart="never" nodeType="tmRoot"/>
-      </p:par>
-    </p:tnLst>
-  </p:timing>
-</p:sld>
-</file>
-
-<file path=ppt/slides/slide2.xml><?xml version="1.0" encoding="utf-8"?>
-<p:sld xmlns:a="http://schemas.openxmlformats.org/drawingml/2006/main" xmlns:r="http://schemas.openxmlformats.org/officeDocument/2006/relationships" xmlns:p="http://schemas.openxmlformats.org/presentationml/2006/main">
-  <p:cSld>
-    <p:spTree>
-      <p:nvGrpSpPr>
-        <p:cNvPr id="1" name=""/>
-        <p:cNvGrpSpPr/>
-        <p:nvPr/>
-      </p:nvGrpSpPr>
-      <p:grpSpPr>
-        <a:xfrm>
-          <a:off x="0" y="0"/>
-          <a:ext cx="0" cy="0"/>
-          <a:chOff x="0" y="0"/>
-          <a:chExt cx="0" cy="0"/>
-        </a:xfrm>
-      </p:grpSpPr>
-      <p:sp>
-        <p:nvSpPr>
-          <p:cNvPr id="2" name="Содержимое 1"/>
-          <p:cNvSpPr>
-            <a:spLocks noGrp="1"/>
-          </p:cNvSpPr>
-          <p:nvPr>
-            <p:ph idx="1"/>
-          </p:nvPr>
-        </p:nvSpPr>
-        <p:spPr>
-          <a:xfrm>
-            <a:off x="838200" y="1178052"/>
-            <a:ext cx="10515600" cy="5464047"/>
-          </a:xfrm>
-        </p:spPr>
-        <p:txBody>
-          <a:bodyPr>
-            <a:normAutofit/>
-          </a:bodyPr>
-          <a:lstStyle/>
-          <a:p>
-            <a:r>
-              <a:rPr lang="en-US" dirty="0" smtClean="0"/>
-              <a:t>Human readable</a:t>
-            </a:r>
-          </a:p>
-          <a:p>
-            <a:pPr lvl="1"/>
-            <a:r>
-              <a:rPr lang="en-US" dirty="0" smtClean="0"/>
-              <a:t>Suitable for communicating with users</a:t>
-            </a:r>
-          </a:p>
-          <a:p>
-            <a:pPr lvl="1"/>
-            <a:r>
-              <a:rPr lang="en-US" dirty="0" smtClean="0"/>
-              <a:t>Video displays, printers</a:t>
-            </a:r>
-          </a:p>
-          <a:p>
-            <a:r>
-              <a:rPr lang="en-US" dirty="0" smtClean="0"/>
-              <a:t>Machine readable</a:t>
-            </a:r>
-          </a:p>
-          <a:p>
-            <a:pPr lvl="1"/>
-            <a:r>
-              <a:rPr lang="en-US" dirty="0" smtClean="0"/>
-              <a:t>Suitable for communicating with equipment</a:t>
-            </a:r>
-          </a:p>
-          <a:p>
-            <a:pPr lvl="1"/>
-            <a:r>
-              <a:rPr lang="en-US" dirty="0" smtClean="0"/>
-              <a:t>Magnetic disks, SSDs, sensors</a:t>
-            </a:r>
-          </a:p>
-          <a:p>
-            <a:r>
-              <a:rPr lang="en-US" dirty="0" smtClean="0"/>
-              <a:t>Communication</a:t>
-            </a:r>
-          </a:p>
-          <a:p>
-            <a:pPr lvl="1"/>
-            <a:r>
-              <a:rPr lang="en-US" dirty="0" smtClean="0"/>
-              <a:t>Suitable for communicating with remote devices such as a terminal or another computer</a:t>
-            </a:r>
-          </a:p>
-          <a:p>
-            <a:pPr lvl="1"/>
-            <a:r>
-              <a:rPr lang="en-US" dirty="0" smtClean="0"/>
-              <a:t>Network interface card</a:t>
-            </a:r>
-            <a:endParaRPr lang="ru-RU" dirty="0"/>
-          </a:p>
-        </p:txBody>
-      </p:sp>
-      <p:sp>
-        <p:nvSpPr>
-          <p:cNvPr id="3" name="Номер слайда 2"/>
-          <p:cNvSpPr>
-            <a:spLocks noGrp="1"/>
-          </p:cNvSpPr>
-          <p:nvPr>
-            <p:ph type="sldNum" sz="quarter" idx="12"/>
-          </p:nvPr>
-        </p:nvSpPr>
-        <p:spPr/>
-        <p:txBody>
-          <a:bodyPr/>
-          <a:lstStyle/>
-          <a:p>
-            <a:pPr algn="ctr"/>
-            <a:fld id="{1397BFD8-F312-4EF2-A268-44FB4BDDBBB0}" type="slidenum">
-              <a:rPr lang="ru-RU" smtClean="0"/>
-              <a:pPr algn="ctr"/>
-              <a:t>2</a:t>
-            </a:fld>
-            <a:endParaRPr lang="ru-RU" dirty="0"/>
-          </a:p>
-        </p:txBody>
-      </p:sp>
-      <p:sp>
-        <p:nvSpPr>
-          <p:cNvPr id="4" name="Заголовок 3"/>
-          <p:cNvSpPr>
-            <a:spLocks noGrp="1"/>
-          </p:cNvSpPr>
-          <p:nvPr>
-            <p:ph type="title"/>
-          </p:nvPr>
-        </p:nvSpPr>
-        <p:spPr/>
-        <p:txBody>
-          <a:bodyPr/>
-          <a:lstStyle/>
-          <a:p>
-            <a:r>
-              <a:rPr lang="en-US" dirty="0" smtClean="0"/>
-              <a:t>I/O Devices</a:t>
-            </a:r>
-            <a:endParaRPr lang="ru-RU" dirty="0"/>
-          </a:p>
-        </p:txBody>
-      </p:sp>
-    </p:spTree>
-  </p:cSld>
-  <p:clrMapOvr>
-    <a:masterClrMapping/>
-  </p:clrMapOvr>
-  <p:timing>
-    <p:tnLst>
-      <p:par>
-        <p:cTn id="1" dur="indefinite" restart="never" nodeType="tmRoot"/>
-      </p:par>
-    </p:tnLst>
-  </p:timing>
-</p:sld>
-</file>
-
-<file path=ppt/slides/slide3.xml><?xml version="1.0" encoding="utf-8"?>
-<p:sld xmlns:a="http://schemas.openxmlformats.org/drawingml/2006/main" xmlns:r="http://schemas.openxmlformats.org/officeDocument/2006/relationships" xmlns:p="http://schemas.openxmlformats.org/presentationml/2006/main">
-  <p:cSld>
-    <p:spTree>
-      <p:nvGrpSpPr>
-        <p:cNvPr id="1" name=""/>
-        <p:cNvGrpSpPr/>
-        <p:nvPr/>
-      </p:nvGrpSpPr>
-      <p:grpSpPr>
-        <a:xfrm>
-          <a:off x="0" y="0"/>
-          <a:ext cx="0" cy="0"/>
-          <a:chOff x="0" y="0"/>
-          <a:chExt cx="0" cy="0"/>
-        </a:xfrm>
-      </p:grpSpPr>
-      <p:sp>
-        <p:nvSpPr>
-          <p:cNvPr id="3" name="Номер слайда 2"/>
-          <p:cNvSpPr>
-            <a:spLocks noGrp="1"/>
-          </p:cNvSpPr>
-          <p:nvPr>
-            <p:ph type="sldNum" sz="quarter" idx="12"/>
-          </p:nvPr>
-        </p:nvSpPr>
-        <p:spPr/>
-        <p:txBody>
-          <a:bodyPr/>
-          <a:lstStyle/>
-          <a:p>
-            <a:pPr algn="ctr"/>
-            <a:fld id="{1397BFD8-F312-4EF2-A268-44FB4BDDBBB0}" type="slidenum">
-              <a:rPr lang="ru-RU" smtClean="0"/>
-              <a:pPr algn="ctr"/>
-              <a:t>3</a:t>
-            </a:fld>
-            <a:endParaRPr lang="ru-RU" dirty="0"/>
-          </a:p>
-        </p:txBody>
-      </p:sp>
-      <p:sp>
-        <p:nvSpPr>
-          <p:cNvPr id="4" name="Заголовок 3"/>
-          <p:cNvSpPr>
-            <a:spLocks noGrp="1"/>
-          </p:cNvSpPr>
-          <p:nvPr>
-            <p:ph type="title"/>
-          </p:nvPr>
-        </p:nvSpPr>
-        <p:spPr/>
-        <p:txBody>
-          <a:bodyPr/>
-          <a:lstStyle/>
-          <a:p>
-            <a:r>
-              <a:rPr lang="en-US" dirty="0" smtClean="0"/>
-              <a:t>I/O Module</a:t>
-            </a:r>
-            <a:endParaRPr lang="ru-RU" dirty="0"/>
-          </a:p>
-        </p:txBody>
-      </p:sp>
-      <p:sp>
-        <p:nvSpPr>
-          <p:cNvPr id="6" name="Прямоугольник 5"/>
-          <p:cNvSpPr/>
-          <p:nvPr/>
-        </p:nvSpPr>
-        <p:spPr>
-          <a:xfrm>
-            <a:off x="6728675" y="3027225"/>
-            <a:ext cx="2743200" cy="1651000"/>
-          </a:xfrm>
-          <a:prstGeom prst="rect">
-            <a:avLst/>
-          </a:prstGeom>
-          <a:solidFill>
-            <a:srgbClr val="2F5CB5"/>
-          </a:solidFill>
-        </p:spPr>
-        <p:style>
-          <a:lnRef idx="2">
-            <a:schemeClr val="accent1">
-              <a:shade val="50000"/>
-            </a:schemeClr>
-          </a:lnRef>
-          <a:fillRef idx="1">
-            <a:schemeClr val="accent1"/>
-          </a:fillRef>
-          <a:effectRef idx="0">
-            <a:schemeClr val="accent1"/>
-          </a:effectRef>
-          <a:fontRef idx="minor">
-            <a:schemeClr val="lt1"/>
-          </a:fontRef>
-        </p:style>
-        <p:txBody>
-          <a:bodyPr rtlCol="0" anchor="ctr"/>
-          <a:lstStyle/>
-          <a:p>
-            <a:pPr algn="ctr"/>
-            <a:r>
-              <a:rPr lang="en-US" sz="3600" b="1" dirty="0" smtClean="0">
-                <a:solidFill>
-                  <a:srgbClr val="F7B217"/>
-                </a:solidFill>
-              </a:rPr>
-              <a:t>I/O Module</a:t>
-            </a:r>
-            <a:endParaRPr lang="ru-RU" sz="3600" b="1" dirty="0">
-              <a:solidFill>
-                <a:srgbClr val="F7B217"/>
-              </a:solidFill>
-            </a:endParaRPr>
-          </a:p>
-        </p:txBody>
-      </p:sp>
-      <p:sp>
-        <p:nvSpPr>
-          <p:cNvPr id="8" name="Прямоугольник 7"/>
-          <p:cNvSpPr/>
-          <p:nvPr/>
-        </p:nvSpPr>
-        <p:spPr>
-          <a:xfrm>
-            <a:off x="6119075" y="1350825"/>
-            <a:ext cx="3619500" cy="304800"/>
-          </a:xfrm>
-          <a:prstGeom prst="rect">
-            <a:avLst/>
-          </a:prstGeom>
-          <a:solidFill>
-            <a:srgbClr val="F3B217"/>
-          </a:solidFill>
-          <a:ln w="25400"/>
-        </p:spPr>
-        <p:style>
-          <a:lnRef idx="2">
-            <a:schemeClr val="accent1">
-              <a:shade val="50000"/>
-            </a:schemeClr>
-          </a:lnRef>
-          <a:fillRef idx="1">
-            <a:schemeClr val="accent1"/>
-          </a:fillRef>
-          <a:effectRef idx="0">
-            <a:schemeClr val="accent1"/>
-          </a:effectRef>
-          <a:fontRef idx="minor">
-            <a:schemeClr val="lt1"/>
-          </a:fontRef>
-        </p:style>
-        <p:txBody>
-          <a:bodyPr rtlCol="0" anchor="ctr"/>
-          <a:lstStyle/>
-          <a:p>
-            <a:pPr algn="ctr"/>
-            <a:r>
-              <a:rPr lang="en-US" b="1" dirty="0" smtClean="0">
-                <a:solidFill>
-                  <a:srgbClr val="1E3272"/>
-                </a:solidFill>
-              </a:rPr>
-              <a:t>Address Lines</a:t>
-            </a:r>
-            <a:endParaRPr lang="ru-RU" b="1" dirty="0">
-              <a:solidFill>
-                <a:srgbClr val="1E3272"/>
-              </a:solidFill>
-            </a:endParaRPr>
-          </a:p>
-        </p:txBody>
-      </p:sp>
-      <p:sp>
-        <p:nvSpPr>
-          <p:cNvPr id="11" name="Правая фигурная скобка 10"/>
-          <p:cNvSpPr/>
-          <p:nvPr/>
-        </p:nvSpPr>
-        <p:spPr>
-          <a:xfrm>
-            <a:off x="9820550" y="1311075"/>
-            <a:ext cx="444500" cy="1384300"/>
-          </a:xfrm>
-          <a:prstGeom prst="rightBrace">
-            <a:avLst/>
-          </a:prstGeom>
-          <a:ln w="38100">
-            <a:solidFill>
-              <a:srgbClr val="1E3272"/>
-            </a:solidFill>
-          </a:ln>
-        </p:spPr>
-        <p:style>
-          <a:lnRef idx="1">
-            <a:schemeClr val="accent1"/>
-          </a:lnRef>
-          <a:fillRef idx="0">
-            <a:schemeClr val="accent1"/>
-          </a:fillRef>
-          <a:effectRef idx="0">
-            <a:schemeClr val="accent1"/>
-          </a:effectRef>
-          <a:fontRef idx="minor">
-            <a:schemeClr val="tx1"/>
-          </a:fontRef>
-        </p:style>
-        <p:txBody>
-          <a:bodyPr rtlCol="0" anchor="ctr"/>
-          <a:lstStyle/>
-          <a:p>
-            <a:pPr algn="ctr"/>
-            <a:endParaRPr lang="ru-RU"/>
-          </a:p>
-        </p:txBody>
-      </p:sp>
-      <p:sp>
-        <p:nvSpPr>
-          <p:cNvPr id="12" name="TextBox 11"/>
-          <p:cNvSpPr txBox="1"/>
-          <p:nvPr/>
-        </p:nvSpPr>
-        <p:spPr>
-          <a:xfrm>
-            <a:off x="10387079" y="1741224"/>
-            <a:ext cx="1036977" cy="558800"/>
-          </a:xfrm>
-          <a:prstGeom prst="rect">
-            <a:avLst/>
-          </a:prstGeom>
-          <a:solidFill>
-            <a:schemeClr val="bg1"/>
-          </a:solidFill>
-        </p:spPr>
-        <p:txBody>
-          <a:bodyPr wrap="square" lIns="72000" tIns="25200" rIns="0" bIns="25200" rtlCol="0" anchor="ctr" anchorCtr="0">
-            <a:noAutofit/>
-          </a:bodyPr>
-          <a:lstStyle/>
-          <a:p>
-            <a:r>
-              <a:rPr lang="en-US" sz="2400" b="1" dirty="0" err="1" smtClean="0">
-                <a:solidFill>
-                  <a:srgbClr val="1E3272"/>
-                </a:solidFill>
-                <a:latin typeface="+mj-lt"/>
-              </a:rPr>
-              <a:t>Systembus</a:t>
-            </a:r>
-            <a:endParaRPr lang="ru-RU" sz="2400" b="1" dirty="0" smtClean="0">
-              <a:solidFill>
-                <a:srgbClr val="1E3272"/>
-              </a:solidFill>
-              <a:latin typeface="+mj-lt"/>
-            </a:endParaRPr>
-          </a:p>
-        </p:txBody>
-      </p:sp>
-      <p:cxnSp>
-        <p:nvCxnSpPr>
-          <p:cNvPr id="14" name="Прямая соединительная линия 13"/>
-          <p:cNvCxnSpPr/>
-          <p:nvPr/>
-        </p:nvCxnSpPr>
-        <p:spPr>
-          <a:xfrm flipH="1">
-            <a:off x="6840176" y="4678225"/>
-            <a:ext cx="587000" cy="1318813"/>
-          </a:xfrm>
-          <a:prstGeom prst="line">
-            <a:avLst/>
-          </a:prstGeom>
-          <a:ln w="38100">
-            <a:solidFill>
-              <a:srgbClr val="1E3272"/>
-            </a:solidFill>
-          </a:ln>
-        </p:spPr>
-        <p:style>
-          <a:lnRef idx="1">
-            <a:schemeClr val="accent1"/>
-          </a:lnRef>
-          <a:fillRef idx="0">
-            <a:schemeClr val="accent1"/>
-          </a:fillRef>
-          <a:effectRef idx="0">
-            <a:schemeClr val="accent1"/>
-          </a:effectRef>
-          <a:fontRef idx="minor">
-            <a:schemeClr val="tx1"/>
-          </a:fontRef>
-        </p:style>
-      </p:cxnSp>
-      <p:cxnSp>
-        <p:nvCxnSpPr>
-          <p:cNvPr id="15" name="Прямая соединительная линия 14"/>
-          <p:cNvCxnSpPr>
-            <a:stCxn id="6" idx="2"/>
-          </p:cNvCxnSpPr>
-          <p:nvPr/>
-        </p:nvCxnSpPr>
-        <p:spPr>
-          <a:xfrm>
-            <a:off x="8100275" y="4678225"/>
-            <a:ext cx="46186" cy="1306937"/>
-          </a:xfrm>
-          <a:prstGeom prst="line">
-            <a:avLst/>
-          </a:prstGeom>
-          <a:ln w="38100">
-            <a:solidFill>
-              <a:srgbClr val="1E3272"/>
-            </a:solidFill>
-          </a:ln>
-        </p:spPr>
-        <p:style>
-          <a:lnRef idx="1">
-            <a:schemeClr val="accent1"/>
-          </a:lnRef>
-          <a:fillRef idx="0">
-            <a:schemeClr val="accent1"/>
-          </a:fillRef>
-          <a:effectRef idx="0">
-            <a:schemeClr val="accent1"/>
-          </a:effectRef>
-          <a:fontRef idx="minor">
-            <a:schemeClr val="tx1"/>
-          </a:fontRef>
-        </p:style>
-      </p:cxnSp>
-      <p:cxnSp>
-        <p:nvCxnSpPr>
-          <p:cNvPr id="18" name="Прямая соединительная линия 17"/>
-          <p:cNvCxnSpPr/>
-          <p:nvPr/>
-        </p:nvCxnSpPr>
-        <p:spPr>
-          <a:xfrm>
-            <a:off x="8786075" y="4678225"/>
-            <a:ext cx="583545" cy="1318813"/>
-          </a:xfrm>
-          <a:prstGeom prst="line">
-            <a:avLst/>
-          </a:prstGeom>
-          <a:ln w="38100">
-            <a:solidFill>
-              <a:srgbClr val="1E3272"/>
-            </a:solidFill>
-          </a:ln>
-        </p:spPr>
-        <p:style>
-          <a:lnRef idx="1">
-            <a:schemeClr val="accent1"/>
-          </a:lnRef>
-          <a:fillRef idx="0">
-            <a:schemeClr val="accent1"/>
-          </a:fillRef>
-          <a:effectRef idx="0">
-            <a:schemeClr val="accent1"/>
-          </a:effectRef>
-          <a:fontRef idx="minor">
-            <a:schemeClr val="tx1"/>
-          </a:fontRef>
-        </p:style>
-      </p:cxnSp>
-      <p:sp>
-        <p:nvSpPr>
-          <p:cNvPr id="22" name="Правая фигурная скобка 21"/>
-          <p:cNvSpPr/>
-          <p:nvPr/>
-        </p:nvSpPr>
-        <p:spPr>
-          <a:xfrm>
-            <a:off x="9572825" y="4797800"/>
-            <a:ext cx="444500" cy="1384300"/>
-          </a:xfrm>
-          <a:prstGeom prst="rightBrace">
-            <a:avLst/>
-          </a:prstGeom>
-          <a:ln w="38100">
-            <a:solidFill>
-              <a:srgbClr val="1E3272"/>
-            </a:solidFill>
-          </a:ln>
-        </p:spPr>
-        <p:style>
-          <a:lnRef idx="1">
-            <a:schemeClr val="accent1"/>
-          </a:lnRef>
-          <a:fillRef idx="0">
-            <a:schemeClr val="accent1"/>
-          </a:fillRef>
-          <a:effectRef idx="0">
-            <a:schemeClr val="accent1"/>
-          </a:effectRef>
-          <a:fontRef idx="minor">
-            <a:schemeClr val="tx1"/>
-          </a:fontRef>
-        </p:style>
-        <p:txBody>
-          <a:bodyPr rtlCol="0" anchor="ctr"/>
-          <a:lstStyle/>
-          <a:p>
-            <a:pPr algn="ctr"/>
-            <a:endParaRPr lang="ru-RU"/>
-          </a:p>
-        </p:txBody>
-      </p:sp>
-      <p:cxnSp>
-        <p:nvCxnSpPr>
-          <p:cNvPr id="23" name="Прямая соединительная линия 22"/>
-          <p:cNvCxnSpPr/>
-          <p:nvPr/>
-        </p:nvCxnSpPr>
-        <p:spPr>
-          <a:xfrm flipV="1">
-            <a:off x="7350975" y="2697025"/>
-            <a:ext cx="0" cy="317500"/>
-          </a:xfrm>
-          <a:prstGeom prst="line">
-            <a:avLst/>
-          </a:prstGeom>
-          <a:ln w="38100">
-            <a:solidFill>
-              <a:srgbClr val="1E3272"/>
-            </a:solidFill>
-          </a:ln>
-        </p:spPr>
-        <p:style>
-          <a:lnRef idx="1">
-            <a:schemeClr val="accent1"/>
-          </a:lnRef>
-          <a:fillRef idx="0">
-            <a:schemeClr val="accent1"/>
-          </a:fillRef>
-          <a:effectRef idx="0">
-            <a:schemeClr val="accent1"/>
-          </a:effectRef>
-          <a:fontRef idx="minor">
-            <a:schemeClr val="tx1"/>
-          </a:fontRef>
-        </p:style>
-      </p:cxnSp>
-      <p:cxnSp>
-        <p:nvCxnSpPr>
-          <p:cNvPr id="26" name="Прямая соединительная линия 25"/>
-          <p:cNvCxnSpPr/>
-          <p:nvPr/>
-        </p:nvCxnSpPr>
-        <p:spPr>
-          <a:xfrm flipH="1" flipV="1">
-            <a:off x="8821000" y="1646100"/>
-            <a:ext cx="3175" cy="1374775"/>
-          </a:xfrm>
-          <a:prstGeom prst="line">
-            <a:avLst/>
-          </a:prstGeom>
-          <a:ln w="38100">
-            <a:solidFill>
-              <a:srgbClr val="1E3272"/>
-            </a:solidFill>
-          </a:ln>
-        </p:spPr>
-        <p:style>
-          <a:lnRef idx="1">
-            <a:schemeClr val="accent1"/>
-          </a:lnRef>
-          <a:fillRef idx="0">
-            <a:schemeClr val="accent1"/>
-          </a:fillRef>
-          <a:effectRef idx="0">
-            <a:schemeClr val="accent1"/>
-          </a:effectRef>
-          <a:fontRef idx="minor">
-            <a:schemeClr val="tx1"/>
-          </a:fontRef>
-        </p:style>
-      </p:cxnSp>
-      <p:sp>
-        <p:nvSpPr>
-          <p:cNvPr id="9" name="Прямоугольник 8"/>
-          <p:cNvSpPr/>
-          <p:nvPr/>
-        </p:nvSpPr>
-        <p:spPr>
-          <a:xfrm>
-            <a:off x="6093675" y="1858825"/>
-            <a:ext cx="3657600" cy="304800"/>
-          </a:xfrm>
-          <a:prstGeom prst="rect">
-            <a:avLst/>
-          </a:prstGeom>
-          <a:solidFill>
-            <a:srgbClr val="F3B217"/>
-          </a:solidFill>
-          <a:ln w="25400"/>
-        </p:spPr>
-        <p:style>
-          <a:lnRef idx="2">
-            <a:schemeClr val="accent1">
-              <a:shade val="50000"/>
-            </a:schemeClr>
-          </a:lnRef>
-          <a:fillRef idx="1">
-            <a:schemeClr val="accent1"/>
-          </a:fillRef>
-          <a:effectRef idx="0">
-            <a:schemeClr val="accent1"/>
-          </a:effectRef>
-          <a:fontRef idx="minor">
-            <a:schemeClr val="lt1"/>
-          </a:fontRef>
-        </p:style>
-        <p:txBody>
-          <a:bodyPr rtlCol="0" anchor="ctr"/>
-          <a:lstStyle/>
-          <a:p>
-            <a:pPr algn="ctr"/>
-            <a:r>
-              <a:rPr lang="en-US" b="1" dirty="0" smtClean="0">
-                <a:solidFill>
-                  <a:srgbClr val="1E3272"/>
-                </a:solidFill>
-              </a:rPr>
-              <a:t>Data Lines</a:t>
-            </a:r>
-            <a:endParaRPr lang="ru-RU" b="1" dirty="0">
-              <a:solidFill>
-                <a:srgbClr val="1E3272"/>
-              </a:solidFill>
-            </a:endParaRPr>
-          </a:p>
-        </p:txBody>
-      </p:sp>
-      <p:cxnSp>
-        <p:nvCxnSpPr>
-          <p:cNvPr id="32" name="Прямая соединительная линия 31"/>
-          <p:cNvCxnSpPr>
-            <a:stCxn id="6" idx="0"/>
-          </p:cNvCxnSpPr>
-          <p:nvPr/>
-        </p:nvCxnSpPr>
-        <p:spPr>
-          <a:xfrm flipV="1">
-            <a:off x="8100275" y="2150925"/>
-            <a:ext cx="6350" cy="876300"/>
-          </a:xfrm>
-          <a:prstGeom prst="line">
-            <a:avLst/>
-          </a:prstGeom>
-          <a:ln w="38100">
-            <a:solidFill>
-              <a:srgbClr val="1E3272"/>
-            </a:solidFill>
-          </a:ln>
-        </p:spPr>
-        <p:style>
-          <a:lnRef idx="1">
-            <a:schemeClr val="accent1"/>
-          </a:lnRef>
-          <a:fillRef idx="0">
-            <a:schemeClr val="accent1"/>
-          </a:fillRef>
-          <a:effectRef idx="0">
-            <a:schemeClr val="accent1"/>
-          </a:effectRef>
-          <a:fontRef idx="minor">
-            <a:schemeClr val="tx1"/>
-          </a:fontRef>
-        </p:style>
-      </p:cxnSp>
-      <p:sp>
-        <p:nvSpPr>
-          <p:cNvPr id="10" name="Прямоугольник 9"/>
-          <p:cNvSpPr/>
-          <p:nvPr/>
-        </p:nvSpPr>
-        <p:spPr>
-          <a:xfrm>
-            <a:off x="6080975" y="2392225"/>
-            <a:ext cx="3657600" cy="292100"/>
-          </a:xfrm>
-          <a:prstGeom prst="rect">
-            <a:avLst/>
-          </a:prstGeom>
-          <a:solidFill>
-            <a:srgbClr val="F3B217"/>
-          </a:solidFill>
-          <a:ln w="25400"/>
-        </p:spPr>
-        <p:style>
-          <a:lnRef idx="2">
-            <a:schemeClr val="accent1">
-              <a:shade val="50000"/>
-            </a:schemeClr>
-          </a:lnRef>
-          <a:fillRef idx="1">
-            <a:schemeClr val="accent1"/>
-          </a:fillRef>
-          <a:effectRef idx="0">
-            <a:schemeClr val="accent1"/>
-          </a:effectRef>
-          <a:fontRef idx="minor">
-            <a:schemeClr val="lt1"/>
-          </a:fontRef>
-        </p:style>
-        <p:txBody>
-          <a:bodyPr rtlCol="0" anchor="ctr"/>
-          <a:lstStyle/>
-          <a:p>
-            <a:pPr algn="ctr"/>
-            <a:r>
-              <a:rPr lang="en-US" b="1" dirty="0" smtClean="0">
-                <a:solidFill>
-                  <a:srgbClr val="1E3272"/>
-                </a:solidFill>
-              </a:rPr>
-              <a:t>Control Lines</a:t>
-            </a:r>
-            <a:endParaRPr lang="ru-RU" b="1" dirty="0">
-              <a:solidFill>
-                <a:srgbClr val="1E3272"/>
-              </a:solidFill>
-            </a:endParaRPr>
-          </a:p>
-        </p:txBody>
-      </p:sp>
-      <p:sp>
-        <p:nvSpPr>
-          <p:cNvPr id="37" name="TextBox 36"/>
-          <p:cNvSpPr txBox="1"/>
-          <p:nvPr/>
-        </p:nvSpPr>
-        <p:spPr>
-          <a:xfrm>
-            <a:off x="10022650" y="4952019"/>
-            <a:ext cx="1625600" cy="999919"/>
-          </a:xfrm>
-          <a:prstGeom prst="rect">
-            <a:avLst/>
-          </a:prstGeom>
-          <a:solidFill>
-            <a:schemeClr val="bg1"/>
-          </a:solidFill>
-        </p:spPr>
-        <p:txBody>
-          <a:bodyPr wrap="square" lIns="72000" tIns="25200" rIns="0" bIns="25200" rtlCol="0" anchor="ctr" anchorCtr="0">
-            <a:noAutofit/>
-          </a:bodyPr>
-          <a:lstStyle/>
-          <a:p>
-            <a:r>
-              <a:rPr lang="en-US" sz="2400" b="1" dirty="0" smtClean="0">
-                <a:solidFill>
-                  <a:srgbClr val="1E3272"/>
-                </a:solidFill>
-                <a:latin typeface="+mj-lt"/>
-              </a:rPr>
-              <a:t>Links to peripheral</a:t>
-            </a:r>
-          </a:p>
-          <a:p>
-            <a:r>
-              <a:rPr lang="en-US" sz="2400" b="1" dirty="0" smtClean="0">
-                <a:solidFill>
-                  <a:srgbClr val="1E3272"/>
-                </a:solidFill>
-                <a:latin typeface="+mj-lt"/>
-              </a:rPr>
-              <a:t>devices</a:t>
-            </a:r>
-            <a:endParaRPr lang="ru-RU" sz="2400" b="1" dirty="0" smtClean="0">
-              <a:solidFill>
-                <a:srgbClr val="1E3272"/>
-              </a:solidFill>
-              <a:latin typeface="+mj-lt"/>
-            </a:endParaRPr>
-          </a:p>
-        </p:txBody>
-      </p:sp>
-      <p:sp>
-        <p:nvSpPr>
-          <p:cNvPr id="39" name="Содержимое 1"/>
-          <p:cNvSpPr>
-            <a:spLocks noGrp="1"/>
-          </p:cNvSpPr>
-          <p:nvPr>
-            <p:ph idx="1"/>
-          </p:nvPr>
-        </p:nvSpPr>
-        <p:spPr>
-          <a:xfrm>
-            <a:off x="778824" y="1094927"/>
-            <a:ext cx="5408222" cy="5531506"/>
-          </a:xfrm>
-        </p:spPr>
-        <p:txBody>
-          <a:bodyPr>
-            <a:normAutofit/>
-          </a:bodyPr>
-          <a:lstStyle/>
-          <a:p>
-            <a:r>
-              <a:rPr lang="en-US" dirty="0" smtClean="0"/>
-              <a:t>Attach to the processor by a link to an I/O module</a:t>
-            </a:r>
-          </a:p>
-          <a:p>
-            <a:pPr lvl="1"/>
-            <a:r>
-              <a:rPr lang="en-US" dirty="0" smtClean="0"/>
-              <a:t>The link is used to exchange control, status, and data between the I/O module and the external device</a:t>
-            </a:r>
-          </a:p>
-          <a:p>
-            <a:r>
-              <a:rPr lang="en-US" dirty="0" smtClean="0"/>
-              <a:t>Peripheral device</a:t>
-            </a:r>
-          </a:p>
-          <a:p>
-            <a:pPr lvl="1"/>
-            <a:r>
-              <a:rPr lang="en-US" dirty="0" smtClean="0"/>
-              <a:t>An external device connected to an I/O module</a:t>
-            </a:r>
-          </a:p>
-        </p:txBody>
-      </p:sp>
-    </p:spTree>
-  </p:cSld>
-  <p:clrMapOvr>
-    <a:masterClrMapping/>
-  </p:clrMapOvr>
-  <p:timing>
-    <p:tnLst>
-      <p:par>
-        <p:cTn id="1" dur="indefinite" restart="never" nodeType="tmRoot"/>
-      </p:par>
-    </p:tnLst>
-  </p:timing>
-</p:sld>
-</file>
-
-<file path=ppt/slides/slide4.xml><?xml version="1.0" encoding="utf-8"?>
-<p:sld xmlns:a="http://schemas.openxmlformats.org/drawingml/2006/main" xmlns:r="http://schemas.openxmlformats.org/officeDocument/2006/relationships" xmlns:p="http://schemas.openxmlformats.org/presentationml/2006/main">
-  <p:cSld>
-    <p:spTree>
-      <p:nvGrpSpPr>
-        <p:cNvPr id="1" name=""/>
-        <p:cNvGrpSpPr/>
-        <p:nvPr/>
-      </p:nvGrpSpPr>
-      <p:grpSpPr>
-        <a:xfrm>
-          <a:off x="0" y="0"/>
-          <a:ext cx="0" cy="0"/>
-          <a:chOff x="0" y="0"/>
-          <a:chExt cx="0" cy="0"/>
-        </a:xfrm>
-      </p:grpSpPr>
-      <p:sp>
-        <p:nvSpPr>
-          <p:cNvPr id="2" name="Содержимое 1"/>
-          <p:cNvSpPr>
-            <a:spLocks noGrp="1"/>
-          </p:cNvSpPr>
-          <p:nvPr>
-            <p:ph idx="1"/>
-          </p:nvPr>
-        </p:nvSpPr>
-        <p:spPr>
-          <a:xfrm>
-            <a:off x="802574" y="1284931"/>
-            <a:ext cx="10515600" cy="4997896"/>
-          </a:xfrm>
-        </p:spPr>
-        <p:txBody>
-          <a:bodyPr>
-            <a:normAutofit/>
-          </a:bodyPr>
-          <a:lstStyle/>
-          <a:p>
-            <a:pPr>
-              <a:lnSpc>
-                <a:spcPct val="100000"/>
-              </a:lnSpc>
-              <a:spcBef>
-                <a:spcPts val="5400"/>
-              </a:spcBef>
-            </a:pPr>
-            <a:r>
-              <a:rPr lang="en-US" b="1" dirty="0" smtClean="0">
-                <a:solidFill>
-                  <a:srgbClr val="F3B217"/>
-                </a:solidFill>
-              </a:rPr>
-              <a:t>Control signals </a:t>
-            </a:r>
-            <a:r>
-              <a:rPr lang="en-US" dirty="0" smtClean="0"/>
-              <a:t>determine the function that the device will perform</a:t>
-            </a:r>
-          </a:p>
-          <a:p>
-            <a:pPr>
-              <a:lnSpc>
-                <a:spcPct val="100000"/>
-              </a:lnSpc>
-              <a:spcBef>
-                <a:spcPts val="5400"/>
-              </a:spcBef>
-            </a:pPr>
-            <a:r>
-              <a:rPr lang="en-US" b="1" dirty="0" smtClean="0">
-                <a:solidFill>
-                  <a:srgbClr val="F3B217"/>
-                </a:solidFill>
-              </a:rPr>
-              <a:t>Data</a:t>
-            </a:r>
-            <a:r>
-              <a:rPr lang="en-US" dirty="0" smtClean="0"/>
-              <a:t> are a set of bits to be sent to or received from the I/O module</a:t>
-            </a:r>
-          </a:p>
-          <a:p>
-            <a:pPr>
-              <a:lnSpc>
-                <a:spcPct val="100000"/>
-              </a:lnSpc>
-              <a:spcBef>
-                <a:spcPts val="5400"/>
-              </a:spcBef>
-            </a:pPr>
-            <a:r>
-              <a:rPr lang="en-US" b="1" dirty="0" smtClean="0">
-                <a:solidFill>
-                  <a:srgbClr val="F3B217"/>
-                </a:solidFill>
-              </a:rPr>
-              <a:t>Status signals </a:t>
-            </a:r>
-            <a:r>
-              <a:rPr lang="en-US" dirty="0" smtClean="0"/>
-              <a:t>indicate the state of the device</a:t>
-            </a:r>
-            <a:endParaRPr lang="ru-RU" dirty="0"/>
-          </a:p>
-        </p:txBody>
-      </p:sp>
-      <p:sp>
-        <p:nvSpPr>
-          <p:cNvPr id="3" name="Номер слайда 2"/>
-          <p:cNvSpPr>
-            <a:spLocks noGrp="1"/>
-          </p:cNvSpPr>
-          <p:nvPr>
-            <p:ph type="sldNum" sz="quarter" idx="12"/>
-          </p:nvPr>
-        </p:nvSpPr>
-        <p:spPr/>
-        <p:txBody>
-          <a:bodyPr/>
-          <a:lstStyle/>
-          <a:p>
-            <a:pPr algn="ctr"/>
-            <a:fld id="{1397BFD8-F312-4EF2-A268-44FB4BDDBBB0}" type="slidenum">
-              <a:rPr lang="ru-RU" smtClean="0"/>
-              <a:pPr algn="ctr"/>
-              <a:t>4</a:t>
-            </a:fld>
-            <a:endParaRPr lang="ru-RU" dirty="0"/>
-          </a:p>
-        </p:txBody>
-      </p:sp>
-      <p:sp>
-        <p:nvSpPr>
-          <p:cNvPr id="4" name="Заголовок 3"/>
-          <p:cNvSpPr>
-            <a:spLocks noGrp="1"/>
-          </p:cNvSpPr>
-          <p:nvPr>
-            <p:ph type="title"/>
-          </p:nvPr>
-        </p:nvSpPr>
-        <p:spPr/>
-        <p:txBody>
-          <a:bodyPr/>
-          <a:lstStyle/>
-          <a:p>
-            <a:r>
-              <a:rPr lang="en-US" dirty="0" smtClean="0"/>
-              <a:t>Signals</a:t>
-            </a:r>
-            <a:endParaRPr lang="ru-RU" dirty="0"/>
-          </a:p>
-        </p:txBody>
-      </p:sp>
-    </p:spTree>
-  </p:cSld>
-  <p:clrMapOvr>
-    <a:masterClrMapping/>
-  </p:clrMapOvr>
-  <p:timing>
-    <p:tnLst>
-      <p:par>
-        <p:cTn id="1" dur="indefinite" restart="never" nodeType="tmRoot"/>
-      </p:par>
-    </p:tnLst>
-  </p:timing>
-</p:sld>
-</file>
-
-<file path=ppt/slides/slide5.xml><?xml version="1.0" encoding="utf-8"?>
-<p:sld xmlns:a="http://schemas.openxmlformats.org/drawingml/2006/main" xmlns:r="http://schemas.openxmlformats.org/officeDocument/2006/relationships" xmlns:p="http://schemas.openxmlformats.org/presentationml/2006/main">
-  <p:cSld>
-    <p:spTree>
-      <p:nvGrpSpPr>
-        <p:cNvPr id="1" name=""/>
-        <p:cNvGrpSpPr/>
-        <p:nvPr/>
-      </p:nvGrpSpPr>
-      <p:grpSpPr>
-        <a:xfrm>
-          <a:off x="0" y="0"/>
-          <a:ext cx="0" cy="0"/>
-          <a:chOff x="0" y="0"/>
-          <a:chExt cx="0" cy="0"/>
-        </a:xfrm>
-      </p:grpSpPr>
-      <p:sp>
-        <p:nvSpPr>
-          <p:cNvPr id="2" name="Содержимое 1"/>
-          <p:cNvSpPr>
-            <a:spLocks noGrp="1"/>
-          </p:cNvSpPr>
-          <p:nvPr>
-            <p:ph idx="1"/>
-          </p:nvPr>
-        </p:nvSpPr>
-        <p:spPr>
-          <a:xfrm>
-            <a:off x="838200" y="1047426"/>
-            <a:ext cx="10515600" cy="5739324"/>
-          </a:xfrm>
-        </p:spPr>
-        <p:txBody>
-          <a:bodyPr>
-            <a:normAutofit fontScale="85000" lnSpcReduction="20000"/>
-          </a:bodyPr>
-          <a:lstStyle/>
-          <a:p>
-            <a:r>
-              <a:rPr lang="en-US" sz="4200" dirty="0" smtClean="0"/>
-              <a:t>Programmed I/O</a:t>
-            </a:r>
-          </a:p>
-          <a:p>
-            <a:pPr lvl="1">
-              <a:lnSpc>
-                <a:spcPct val="100000"/>
-              </a:lnSpc>
-              <a:spcBef>
-                <a:spcPts val="0"/>
-              </a:spcBef>
-            </a:pPr>
-            <a:r>
-              <a:rPr lang="en-US" sz="3300" dirty="0" smtClean="0"/>
-              <a:t>Data are exchanged between the processor and the I/O module</a:t>
-            </a:r>
-          </a:p>
-          <a:p>
-            <a:pPr lvl="1">
-              <a:lnSpc>
-                <a:spcPct val="100000"/>
-              </a:lnSpc>
-              <a:spcBef>
-                <a:spcPts val="0"/>
-              </a:spcBef>
-            </a:pPr>
-            <a:r>
-              <a:rPr lang="en-US" sz="3300" dirty="0" smtClean="0"/>
-              <a:t>Processor executes a program that gives it direct control of the I/O operation</a:t>
-            </a:r>
-          </a:p>
-          <a:p>
-            <a:pPr lvl="1">
-              <a:lnSpc>
-                <a:spcPct val="100000"/>
-              </a:lnSpc>
-              <a:spcBef>
-                <a:spcPts val="0"/>
-              </a:spcBef>
-            </a:pPr>
-            <a:r>
-              <a:rPr lang="en-US" sz="3300" dirty="0" smtClean="0"/>
-              <a:t>When the processor issues a command it must wait until the I/O operation is complete</a:t>
-            </a:r>
-          </a:p>
-          <a:p>
-            <a:pPr lvl="1">
-              <a:lnSpc>
-                <a:spcPct val="100000"/>
-              </a:lnSpc>
-              <a:spcBef>
-                <a:spcPts val="0"/>
-              </a:spcBef>
-            </a:pPr>
-            <a:r>
-              <a:rPr lang="en-US" sz="3300" dirty="0" smtClean="0"/>
-              <a:t>If the processor is faster than the I/O module this is wasteful of processor time</a:t>
-            </a:r>
-          </a:p>
-          <a:p>
-            <a:r>
-              <a:rPr lang="en-US" sz="4200" dirty="0" smtClean="0"/>
-              <a:t>Interrupt-driven I/O</a:t>
-            </a:r>
-          </a:p>
-          <a:p>
-            <a:pPr lvl="1">
-              <a:lnSpc>
-                <a:spcPct val="100000"/>
-              </a:lnSpc>
-              <a:spcBef>
-                <a:spcPts val="0"/>
-              </a:spcBef>
-            </a:pPr>
-            <a:r>
-              <a:rPr lang="en-US" sz="3300" dirty="0" smtClean="0"/>
-              <a:t>Processor issues an I/O command, continues to execute other instructions, and is interrupted by the I/O module when the latter has completed its work</a:t>
-            </a:r>
-          </a:p>
-          <a:p>
-            <a:r>
-              <a:rPr lang="en-US" sz="4200" dirty="0" smtClean="0"/>
-              <a:t>Direct memory access (DMA)</a:t>
-            </a:r>
-          </a:p>
-          <a:p>
-            <a:pPr lvl="1">
-              <a:lnSpc>
-                <a:spcPct val="100000"/>
-              </a:lnSpc>
-              <a:spcBef>
-                <a:spcPts val="0"/>
-              </a:spcBef>
-            </a:pPr>
-            <a:r>
-              <a:rPr lang="en-US" sz="3300" dirty="0" smtClean="0"/>
-              <a:t>The I/O module and main memory exchange data directly without processor involvement</a:t>
-            </a:r>
-          </a:p>
-          <a:p>
-            <a:endParaRPr lang="ru-RU" dirty="0"/>
-          </a:p>
-        </p:txBody>
-      </p:sp>
-      <p:sp>
-        <p:nvSpPr>
-          <p:cNvPr id="3" name="Номер слайда 2"/>
-          <p:cNvSpPr>
-            <a:spLocks noGrp="1"/>
-          </p:cNvSpPr>
-          <p:nvPr>
-            <p:ph type="sldNum" sz="quarter" idx="12"/>
-          </p:nvPr>
-        </p:nvSpPr>
-        <p:spPr/>
-        <p:txBody>
-          <a:bodyPr/>
-          <a:lstStyle/>
-          <a:p>
-            <a:pPr algn="ctr"/>
-            <a:fld id="{1397BFD8-F312-4EF2-A268-44FB4BDDBBB0}" type="slidenum">
-              <a:rPr lang="ru-RU" smtClean="0"/>
-              <a:pPr algn="ctr"/>
-              <a:t>5</a:t>
-            </a:fld>
-            <a:endParaRPr lang="ru-RU" dirty="0"/>
-          </a:p>
-        </p:txBody>
-      </p:sp>
-      <p:sp>
-        <p:nvSpPr>
-          <p:cNvPr id="4" name="Заголовок 3"/>
-          <p:cNvSpPr>
-            <a:spLocks noGrp="1"/>
-          </p:cNvSpPr>
-          <p:nvPr>
-            <p:ph type="title"/>
-          </p:nvPr>
-        </p:nvSpPr>
-        <p:spPr/>
-        <p:txBody>
-          <a:bodyPr/>
-          <a:lstStyle/>
-          <a:p>
-            <a:r>
-              <a:rPr lang="en-US" dirty="0" smtClean="0"/>
-              <a:t>Three Techniques for I/O Operations</a:t>
-            </a:r>
-            <a:endParaRPr lang="ru-RU" dirty="0"/>
-          </a:p>
-        </p:txBody>
-      </p:sp>
-    </p:spTree>
-  </p:cSld>
-  <p:clrMapOvr>
-    <a:masterClrMapping/>
-  </p:clrMapOvr>
-  <p:timing>
-    <p:tnLst>
-      <p:par>
-        <p:cTn id="1" dur="indefinite" restart="never" nodeType="tmRoot"/>
-      </p:par>
-    </p:tnLst>
-  </p:timing>
-</p:sld>
-</file>
-
-<file path=ppt/slides/slide6.xml><?xml version="1.0" encoding="utf-8"?>
-<p:sld xmlns:a="http://schemas.openxmlformats.org/drawingml/2006/main" xmlns:r="http://schemas.openxmlformats.org/officeDocument/2006/relationships" xmlns:p="http://schemas.openxmlformats.org/presentationml/2006/main">
-  <p:cSld>
-    <p:spTree>
-      <p:nvGrpSpPr>
-        <p:cNvPr id="1" name=""/>
-        <p:cNvGrpSpPr/>
-        <p:nvPr/>
-      </p:nvGrpSpPr>
-      <p:grpSpPr>
-        <a:xfrm>
-          <a:off x="0" y="0"/>
-          <a:ext cx="0" cy="0"/>
-          <a:chOff x="0" y="0"/>
-          <a:chExt cx="0" cy="0"/>
-        </a:xfrm>
-      </p:grpSpPr>
-      <p:sp>
-        <p:nvSpPr>
-          <p:cNvPr id="3" name="Номер слайда 2"/>
-          <p:cNvSpPr>
-            <a:spLocks noGrp="1"/>
-          </p:cNvSpPr>
-          <p:nvPr>
-            <p:ph type="sldNum" sz="quarter" idx="12"/>
-          </p:nvPr>
-        </p:nvSpPr>
-        <p:spPr/>
-        <p:txBody>
-          <a:bodyPr/>
-          <a:lstStyle/>
-          <a:p>
-            <a:pPr algn="ctr"/>
-            <a:fld id="{1397BFD8-F312-4EF2-A268-44FB4BDDBBB0}" type="slidenum">
-              <a:rPr lang="ru-RU" smtClean="0"/>
-              <a:pPr algn="ctr"/>
-              <a:t>6</a:t>
             </a:fld>
             <a:endParaRPr lang="ru-RU" dirty="0"/>
           </a:p>
@@ -6927,6 +4783,2796 @@
 </p:sld>
 </file>
 
+<file path=ppt/slides/slide11.xml><?xml version="1.0" encoding="utf-8"?>
+<p:sld xmlns:a="http://schemas.openxmlformats.org/drawingml/2006/main" xmlns:r="http://schemas.openxmlformats.org/officeDocument/2006/relationships" xmlns:p="http://schemas.openxmlformats.org/presentationml/2006/main">
+  <p:cSld>
+    <p:spTree>
+      <p:nvGrpSpPr>
+        <p:cNvPr id="1" name=""/>
+        <p:cNvGrpSpPr/>
+        <p:nvPr/>
+      </p:nvGrpSpPr>
+      <p:grpSpPr>
+        <a:xfrm>
+          <a:off x="0" y="0"/>
+          <a:ext cx="0" cy="0"/>
+          <a:chOff x="0" y="0"/>
+          <a:chExt cx="0" cy="0"/>
+        </a:xfrm>
+      </p:grpSpPr>
+      <p:sp>
+        <p:nvSpPr>
+          <p:cNvPr id="2" name="Содержимое 1"/>
+          <p:cNvSpPr>
+            <a:spLocks noGrp="1"/>
+          </p:cNvSpPr>
+          <p:nvPr>
+            <p:ph idx="1"/>
+          </p:nvPr>
+        </p:nvSpPr>
+        <p:spPr/>
+        <p:txBody>
+          <a:bodyPr>
+            <a:normAutofit/>
+          </a:bodyPr>
+          <a:lstStyle/>
+          <a:p>
+            <a:pPr>
+              <a:lnSpc>
+                <a:spcPct val="100000"/>
+              </a:lnSpc>
+              <a:spcBef>
+                <a:spcPts val="1800"/>
+              </a:spcBef>
+            </a:pPr>
+            <a:r>
+              <a:rPr lang="en-US" dirty="0" smtClean="0"/>
+              <a:t>Processor accesses I/O devices just like memory (like keyboards, monitors, printers)</a:t>
+            </a:r>
+          </a:p>
+          <a:p>
+            <a:pPr>
+              <a:lnSpc>
+                <a:spcPct val="100000"/>
+              </a:lnSpc>
+              <a:spcBef>
+                <a:spcPts val="1800"/>
+              </a:spcBef>
+            </a:pPr>
+            <a:r>
+              <a:rPr lang="en-US" dirty="0" smtClean="0"/>
+              <a:t>Each I/O device assigned one or more address</a:t>
+            </a:r>
+          </a:p>
+          <a:p>
+            <a:pPr>
+              <a:lnSpc>
+                <a:spcPct val="100000"/>
+              </a:lnSpc>
+              <a:spcBef>
+                <a:spcPts val="1800"/>
+              </a:spcBef>
+            </a:pPr>
+            <a:r>
+              <a:rPr lang="en-US" dirty="0" smtClean="0"/>
+              <a:t>When that address is detected, data read/written to I/O device instead of memory</a:t>
+            </a:r>
+          </a:p>
+          <a:p>
+            <a:pPr>
+              <a:lnSpc>
+                <a:spcPct val="100000"/>
+              </a:lnSpc>
+              <a:spcBef>
+                <a:spcPts val="1800"/>
+              </a:spcBef>
+            </a:pPr>
+            <a:r>
+              <a:rPr lang="en-US" dirty="0" smtClean="0"/>
+              <a:t>A portion of the address space dedicated to I/O devices</a:t>
+            </a:r>
+            <a:endParaRPr lang="en-US" dirty="0"/>
+          </a:p>
+        </p:txBody>
+      </p:sp>
+      <p:sp>
+        <p:nvSpPr>
+          <p:cNvPr id="3" name="Номер слайда 2"/>
+          <p:cNvSpPr>
+            <a:spLocks noGrp="1"/>
+          </p:cNvSpPr>
+          <p:nvPr>
+            <p:ph type="sldNum" sz="quarter" idx="12"/>
+          </p:nvPr>
+        </p:nvSpPr>
+        <p:spPr/>
+        <p:txBody>
+          <a:bodyPr/>
+          <a:lstStyle/>
+          <a:p>
+            <a:pPr algn="ctr"/>
+            <a:fld id="{1397BFD8-F312-4EF2-A268-44FB4BDDBBB0}" type="slidenum">
+              <a:rPr lang="ru-RU" smtClean="0"/>
+              <a:pPr algn="ctr"/>
+              <a:t>11</a:t>
+            </a:fld>
+            <a:endParaRPr lang="ru-RU" dirty="0"/>
+          </a:p>
+        </p:txBody>
+      </p:sp>
+      <p:sp>
+        <p:nvSpPr>
+          <p:cNvPr id="4" name="Заголовок 3"/>
+          <p:cNvSpPr>
+            <a:spLocks noGrp="1"/>
+          </p:cNvSpPr>
+          <p:nvPr>
+            <p:ph type="title"/>
+          </p:nvPr>
+        </p:nvSpPr>
+        <p:spPr/>
+        <p:txBody>
+          <a:bodyPr/>
+          <a:lstStyle/>
+          <a:p>
+            <a:r>
+              <a:rPr lang="en-US" dirty="0" smtClean="0"/>
+              <a:t>Memory-Mapped I/O (MMIO)</a:t>
+            </a:r>
+            <a:endParaRPr lang="ru-RU" dirty="0"/>
+          </a:p>
+        </p:txBody>
+      </p:sp>
+    </p:spTree>
+  </p:cSld>
+  <p:clrMapOvr>
+    <a:masterClrMapping/>
+  </p:clrMapOvr>
+  <p:timing>
+    <p:tnLst>
+      <p:par>
+        <p:cTn id="1" dur="indefinite" restart="never" nodeType="tmRoot"/>
+      </p:par>
+    </p:tnLst>
+  </p:timing>
+</p:sld>
+</file>
+
+<file path=ppt/slides/slide12.xml><?xml version="1.0" encoding="utf-8"?>
+<p:sld xmlns:a="http://schemas.openxmlformats.org/drawingml/2006/main" xmlns:r="http://schemas.openxmlformats.org/officeDocument/2006/relationships" xmlns:p="http://schemas.openxmlformats.org/presentationml/2006/main">
+  <p:cSld>
+    <p:spTree>
+      <p:nvGrpSpPr>
+        <p:cNvPr id="1" name=""/>
+        <p:cNvGrpSpPr/>
+        <p:nvPr/>
+      </p:nvGrpSpPr>
+      <p:grpSpPr>
+        <a:xfrm>
+          <a:off x="0" y="0"/>
+          <a:ext cx="0" cy="0"/>
+          <a:chOff x="0" y="0"/>
+          <a:chExt cx="0" cy="0"/>
+        </a:xfrm>
+      </p:grpSpPr>
+      <p:sp>
+        <p:nvSpPr>
+          <p:cNvPr id="2" name="Содержимое 1"/>
+          <p:cNvSpPr>
+            <a:spLocks noGrp="1"/>
+          </p:cNvSpPr>
+          <p:nvPr>
+            <p:ph idx="1"/>
+          </p:nvPr>
+        </p:nvSpPr>
+        <p:spPr/>
+        <p:txBody>
+          <a:bodyPr>
+            <a:normAutofit/>
+          </a:bodyPr>
+          <a:lstStyle/>
+          <a:p>
+            <a:r>
+              <a:rPr lang="en-US" b="1" dirty="0" smtClean="0">
+                <a:solidFill>
+                  <a:srgbClr val="F3B217"/>
+                </a:solidFill>
+              </a:rPr>
+              <a:t>Memory-Mapped I/O</a:t>
+            </a:r>
+            <a:r>
+              <a:rPr lang="en-US" dirty="0" smtClean="0"/>
+              <a:t> is an I/O scheme in which portions of the address space are assigned to I/O devices, and reads and writes to those addresses are interpreted as commands to the I/O device</a:t>
+            </a:r>
+          </a:p>
+          <a:p>
+            <a:r>
+              <a:rPr lang="en-US" b="1" dirty="0" smtClean="0">
+                <a:solidFill>
+                  <a:srgbClr val="F3B217"/>
+                </a:solidFill>
+              </a:rPr>
+              <a:t>Direct Memory Access (DMA) </a:t>
+            </a:r>
+            <a:r>
+              <a:rPr lang="en-US" dirty="0" smtClean="0"/>
+              <a:t>is a mechanism that provides a device controller with the ability to transfer data directly to or from the memory without involving the processor</a:t>
+            </a:r>
+            <a:endParaRPr lang="ru-RU" dirty="0"/>
+          </a:p>
+        </p:txBody>
+      </p:sp>
+      <p:sp>
+        <p:nvSpPr>
+          <p:cNvPr id="3" name="Номер слайда 2"/>
+          <p:cNvSpPr>
+            <a:spLocks noGrp="1"/>
+          </p:cNvSpPr>
+          <p:nvPr>
+            <p:ph type="sldNum" sz="quarter" idx="12"/>
+          </p:nvPr>
+        </p:nvSpPr>
+        <p:spPr/>
+        <p:txBody>
+          <a:bodyPr/>
+          <a:lstStyle/>
+          <a:p>
+            <a:pPr algn="ctr"/>
+            <a:fld id="{1397BFD8-F312-4EF2-A268-44FB4BDDBBB0}" type="slidenum">
+              <a:rPr lang="ru-RU" smtClean="0"/>
+              <a:pPr algn="ctr"/>
+              <a:t>12</a:t>
+            </a:fld>
+            <a:endParaRPr lang="ru-RU" dirty="0"/>
+          </a:p>
+        </p:txBody>
+      </p:sp>
+      <p:sp>
+        <p:nvSpPr>
+          <p:cNvPr id="4" name="Заголовок 3"/>
+          <p:cNvSpPr>
+            <a:spLocks noGrp="1"/>
+          </p:cNvSpPr>
+          <p:nvPr>
+            <p:ph type="title"/>
+          </p:nvPr>
+        </p:nvSpPr>
+        <p:spPr/>
+        <p:txBody>
+          <a:bodyPr/>
+          <a:lstStyle/>
+          <a:p>
+            <a:r>
+              <a:rPr lang="en-US" dirty="0" smtClean="0"/>
+              <a:t>Key Ideas</a:t>
+            </a:r>
+            <a:endParaRPr lang="ru-RU" dirty="0"/>
+          </a:p>
+        </p:txBody>
+      </p:sp>
+    </p:spTree>
+  </p:cSld>
+  <p:clrMapOvr>
+    <a:masterClrMapping/>
+  </p:clrMapOvr>
+  <p:timing>
+    <p:tnLst>
+      <p:par>
+        <p:cTn id="1" dur="indefinite" restart="never" nodeType="tmRoot"/>
+      </p:par>
+    </p:tnLst>
+  </p:timing>
+</p:sld>
+</file>
+
+<file path=ppt/slides/slide13.xml><?xml version="1.0" encoding="utf-8"?>
+<p:sld xmlns:a="http://schemas.openxmlformats.org/drawingml/2006/main" xmlns:r="http://schemas.openxmlformats.org/officeDocument/2006/relationships" xmlns:p="http://schemas.openxmlformats.org/presentationml/2006/main">
+  <p:cSld>
+    <p:spTree>
+      <p:nvGrpSpPr>
+        <p:cNvPr id="1" name=""/>
+        <p:cNvGrpSpPr/>
+        <p:nvPr/>
+      </p:nvGrpSpPr>
+      <p:grpSpPr>
+        <a:xfrm>
+          <a:off x="0" y="0"/>
+          <a:ext cx="0" cy="0"/>
+          <a:chOff x="0" y="0"/>
+          <a:chExt cx="0" cy="0"/>
+        </a:xfrm>
+      </p:grpSpPr>
+      <p:sp>
+        <p:nvSpPr>
+          <p:cNvPr id="2" name="Содержимое 1"/>
+          <p:cNvSpPr>
+            <a:spLocks noGrp="1"/>
+          </p:cNvSpPr>
+          <p:nvPr>
+            <p:ph idx="1"/>
+          </p:nvPr>
+        </p:nvSpPr>
+        <p:spPr/>
+        <p:txBody>
+          <a:bodyPr>
+            <a:normAutofit/>
+          </a:bodyPr>
+          <a:lstStyle/>
+          <a:p>
+            <a:r>
+              <a:rPr lang="en-US" b="1" dirty="0" smtClean="0">
+                <a:solidFill>
+                  <a:srgbClr val="F3B217"/>
+                </a:solidFill>
+              </a:rPr>
+              <a:t>Interrupt-Driven I/O </a:t>
+            </a:r>
+            <a:r>
+              <a:rPr lang="en-US" dirty="0" smtClean="0"/>
+              <a:t>is an I/O scheme that employs interrupts to indicate to the processor that an I/O device needs attention</a:t>
+            </a:r>
+            <a:endParaRPr lang="ru-RU" dirty="0" smtClean="0"/>
+          </a:p>
+          <a:p>
+            <a:r>
+              <a:rPr lang="en-US" b="1" dirty="0" smtClean="0">
+                <a:solidFill>
+                  <a:srgbClr val="F7B217"/>
+                </a:solidFill>
+              </a:rPr>
+              <a:t>Polling</a:t>
+            </a:r>
+            <a:r>
+              <a:rPr lang="en-US" dirty="0" smtClean="0"/>
+              <a:t> is the process of periodically checking the status of an I/O device to determine the need to service the device</a:t>
+            </a:r>
+          </a:p>
+          <a:p>
+            <a:r>
+              <a:rPr lang="en-US" b="1" dirty="0" smtClean="0">
+                <a:solidFill>
+                  <a:srgbClr val="F7B217"/>
+                </a:solidFill>
+              </a:rPr>
+              <a:t>Device Driver </a:t>
+            </a:r>
+            <a:r>
+              <a:rPr lang="en-US" dirty="0" smtClean="0"/>
+              <a:t>is a program that controls an I/O device that is attached to the computer</a:t>
+            </a:r>
+            <a:endParaRPr lang="ru-RU" dirty="0"/>
+          </a:p>
+        </p:txBody>
+      </p:sp>
+      <p:sp>
+        <p:nvSpPr>
+          <p:cNvPr id="3" name="Номер слайда 2"/>
+          <p:cNvSpPr>
+            <a:spLocks noGrp="1"/>
+          </p:cNvSpPr>
+          <p:nvPr>
+            <p:ph type="sldNum" sz="quarter" idx="12"/>
+          </p:nvPr>
+        </p:nvSpPr>
+        <p:spPr/>
+        <p:txBody>
+          <a:bodyPr/>
+          <a:lstStyle/>
+          <a:p>
+            <a:pPr algn="ctr"/>
+            <a:fld id="{1397BFD8-F312-4EF2-A268-44FB4BDDBBB0}" type="slidenum">
+              <a:rPr lang="ru-RU" smtClean="0"/>
+              <a:pPr algn="ctr"/>
+              <a:t>13</a:t>
+            </a:fld>
+            <a:endParaRPr lang="ru-RU" dirty="0"/>
+          </a:p>
+        </p:txBody>
+      </p:sp>
+      <p:sp>
+        <p:nvSpPr>
+          <p:cNvPr id="4" name="Заголовок 3"/>
+          <p:cNvSpPr>
+            <a:spLocks noGrp="1"/>
+          </p:cNvSpPr>
+          <p:nvPr>
+            <p:ph type="title"/>
+          </p:nvPr>
+        </p:nvSpPr>
+        <p:spPr/>
+        <p:txBody>
+          <a:bodyPr/>
+          <a:lstStyle/>
+          <a:p>
+            <a:r>
+              <a:rPr lang="en-US" dirty="0" smtClean="0"/>
+              <a:t>Key Ideas</a:t>
+            </a:r>
+            <a:endParaRPr lang="ru-RU" dirty="0"/>
+          </a:p>
+        </p:txBody>
+      </p:sp>
+    </p:spTree>
+  </p:cSld>
+  <p:clrMapOvr>
+    <a:masterClrMapping/>
+  </p:clrMapOvr>
+  <p:timing>
+    <p:tnLst>
+      <p:par>
+        <p:cTn id="1" dur="indefinite" restart="never" nodeType="tmRoot"/>
+      </p:par>
+    </p:tnLst>
+  </p:timing>
+</p:sld>
+</file>
+
+<file path=ppt/slides/slide14.xml><?xml version="1.0" encoding="utf-8"?>
+<p:sld xmlns:a="http://schemas.openxmlformats.org/drawingml/2006/main" xmlns:r="http://schemas.openxmlformats.org/officeDocument/2006/relationships" xmlns:p="http://schemas.openxmlformats.org/presentationml/2006/main">
+  <p:cSld>
+    <p:spTree>
+      <p:nvGrpSpPr>
+        <p:cNvPr id="1" name=""/>
+        <p:cNvGrpSpPr/>
+        <p:nvPr/>
+      </p:nvGrpSpPr>
+      <p:grpSpPr>
+        <a:xfrm>
+          <a:off x="0" y="0"/>
+          <a:ext cx="0" cy="0"/>
+          <a:chOff x="0" y="0"/>
+          <a:chExt cx="0" cy="0"/>
+        </a:xfrm>
+      </p:grpSpPr>
+      <p:sp>
+        <p:nvSpPr>
+          <p:cNvPr id="3" name="Номер слайда 2"/>
+          <p:cNvSpPr>
+            <a:spLocks noGrp="1"/>
+          </p:cNvSpPr>
+          <p:nvPr>
+            <p:ph type="sldNum" sz="quarter" idx="12"/>
+          </p:nvPr>
+        </p:nvSpPr>
+        <p:spPr/>
+        <p:txBody>
+          <a:bodyPr/>
+          <a:lstStyle/>
+          <a:p>
+            <a:pPr algn="ctr"/>
+            <a:fld id="{1397BFD8-F312-4EF2-A268-44FB4BDDBBB0}" type="slidenum">
+              <a:rPr lang="ru-RU" smtClean="0"/>
+              <a:pPr algn="ctr"/>
+              <a:t>14</a:t>
+            </a:fld>
+            <a:endParaRPr lang="ru-RU" dirty="0"/>
+          </a:p>
+        </p:txBody>
+      </p:sp>
+      <p:sp>
+        <p:nvSpPr>
+          <p:cNvPr id="4" name="Заголовок 3"/>
+          <p:cNvSpPr>
+            <a:spLocks noGrp="1"/>
+          </p:cNvSpPr>
+          <p:nvPr>
+            <p:ph type="title"/>
+          </p:nvPr>
+        </p:nvSpPr>
+        <p:spPr/>
+        <p:txBody>
+          <a:bodyPr/>
+          <a:lstStyle/>
+          <a:p>
+            <a:r>
+              <a:rPr lang="en-US" dirty="0" smtClean="0"/>
+              <a:t>Example: RARS Digital Lab </a:t>
+            </a:r>
+            <a:r>
+              <a:rPr lang="en-US" dirty="0" err="1" smtClean="0"/>
+              <a:t>Sim</a:t>
+            </a:r>
+            <a:endParaRPr lang="ru-RU" dirty="0"/>
+          </a:p>
+        </p:txBody>
+      </p:sp>
+      <p:pic>
+        <p:nvPicPr>
+          <p:cNvPr id="7" name="Рисунок 6" descr="Screenshot 2021-02-03 at 15.53.53.png"/>
+          <p:cNvPicPr>
+            <a:picLocks noChangeAspect="1"/>
+          </p:cNvPicPr>
+          <p:nvPr/>
+        </p:nvPicPr>
+        <p:blipFill>
+          <a:blip r:embed="rId2" cstate="print"/>
+          <a:stretch>
+            <a:fillRect/>
+          </a:stretch>
+        </p:blipFill>
+        <p:spPr>
+          <a:xfrm>
+            <a:off x="809856" y="1299939"/>
+            <a:ext cx="5856923" cy="4705350"/>
+          </a:xfrm>
+          <a:prstGeom prst="rect">
+            <a:avLst/>
+          </a:prstGeom>
+        </p:spPr>
+      </p:pic>
+      <p:sp>
+        <p:nvSpPr>
+          <p:cNvPr id="8" name="Содержимое 1"/>
+          <p:cNvSpPr>
+            <a:spLocks noGrp="1"/>
+          </p:cNvSpPr>
+          <p:nvPr>
+            <p:ph idx="1"/>
+          </p:nvPr>
+        </p:nvSpPr>
+        <p:spPr>
+          <a:xfrm>
+            <a:off x="6807200" y="1163540"/>
+            <a:ext cx="4789714" cy="5251774"/>
+          </a:xfrm>
+        </p:spPr>
+        <p:txBody>
+          <a:bodyPr>
+            <a:noAutofit/>
+          </a:bodyPr>
+          <a:lstStyle/>
+          <a:p>
+            <a:pPr marL="0" indent="0">
+              <a:buNone/>
+            </a:pPr>
+            <a:r>
+              <a:rPr lang="en-US" sz="2400" b="1" dirty="0" smtClean="0"/>
+              <a:t>Seven segment display</a:t>
+            </a:r>
+          </a:p>
+          <a:p>
+            <a:pPr marL="0" indent="0"/>
+            <a:r>
+              <a:rPr lang="en-US" sz="2400" dirty="0" smtClean="0"/>
+              <a:t>Byte value at address </a:t>
+            </a:r>
+            <a:r>
+              <a:rPr lang="en-US" sz="2400" b="1" dirty="0" smtClean="0">
+                <a:solidFill>
+                  <a:srgbClr val="F3B217"/>
+                </a:solidFill>
+              </a:rPr>
+              <a:t>0xffff0010</a:t>
+            </a:r>
+            <a:r>
+              <a:rPr lang="en-US" sz="2400" dirty="0" smtClean="0"/>
+              <a:t>: command right segment display </a:t>
+            </a:r>
+          </a:p>
+          <a:p>
+            <a:pPr marL="0" indent="0"/>
+            <a:r>
+              <a:rPr lang="en-US" sz="2400" dirty="0" smtClean="0"/>
+              <a:t>Byte value at address </a:t>
+            </a:r>
+            <a:r>
+              <a:rPr lang="en-US" sz="2400" b="1" dirty="0" smtClean="0">
+                <a:solidFill>
+                  <a:srgbClr val="F3B217"/>
+                </a:solidFill>
+              </a:rPr>
+              <a:t>0xffff0011</a:t>
+            </a:r>
+            <a:r>
+              <a:rPr lang="en-US" sz="2400" dirty="0" smtClean="0"/>
+              <a:t>: command left segment display </a:t>
+            </a:r>
+          </a:p>
+          <a:p>
+            <a:pPr marL="0" indent="0">
+              <a:buNone/>
+            </a:pPr>
+            <a:r>
+              <a:rPr lang="en-US" sz="2400" b="1" dirty="0" smtClean="0"/>
+              <a:t>Hexadecimal keyboard</a:t>
+            </a:r>
+          </a:p>
+          <a:p>
+            <a:pPr marL="0" indent="0"/>
+            <a:r>
+              <a:rPr lang="en-US" sz="2400" dirty="0" smtClean="0"/>
+              <a:t>Byte value at address </a:t>
+            </a:r>
+            <a:r>
+              <a:rPr lang="en-US" sz="2400" b="1" dirty="0" smtClean="0">
+                <a:solidFill>
+                  <a:srgbClr val="F3B217"/>
+                </a:solidFill>
+              </a:rPr>
+              <a:t>0xffff0012</a:t>
+            </a:r>
+            <a:r>
+              <a:rPr lang="en-US" sz="2400" dirty="0" smtClean="0"/>
+              <a:t>: command row number of hexadecimal keyboard (bit 0 to 3) and enable keyboard interrupt (bit 7)</a:t>
+            </a:r>
+          </a:p>
+          <a:p>
+            <a:pPr marL="0" indent="0"/>
+            <a:r>
+              <a:rPr lang="en-US" sz="2400" dirty="0" smtClean="0"/>
+              <a:t>Byte value at address </a:t>
+            </a:r>
+            <a:r>
+              <a:rPr lang="en-US" sz="2400" b="1" dirty="0" smtClean="0">
+                <a:solidFill>
+                  <a:srgbClr val="F3B217"/>
+                </a:solidFill>
+              </a:rPr>
+              <a:t>0xffff0014</a:t>
+            </a:r>
+            <a:r>
+              <a:rPr lang="en-US" sz="2400" dirty="0" smtClean="0"/>
+              <a:t>: receive row and column of the key pressed, 0 if not key pressed</a:t>
+            </a:r>
+            <a:endParaRPr lang="ru-RU" sz="2400" dirty="0"/>
+          </a:p>
+        </p:txBody>
+      </p:sp>
+    </p:spTree>
+  </p:cSld>
+  <p:clrMapOvr>
+    <a:masterClrMapping/>
+  </p:clrMapOvr>
+  <p:timing>
+    <p:tnLst>
+      <p:par>
+        <p:cTn id="1" dur="indefinite" restart="never" nodeType="tmRoot"/>
+      </p:par>
+    </p:tnLst>
+  </p:timing>
+</p:sld>
+</file>
+
+<file path=ppt/slides/slide15.xml><?xml version="1.0" encoding="utf-8"?>
+<p:sld xmlns:a="http://schemas.openxmlformats.org/drawingml/2006/main" xmlns:r="http://schemas.openxmlformats.org/officeDocument/2006/relationships" xmlns:p="http://schemas.openxmlformats.org/presentationml/2006/main">
+  <p:cSld>
+    <p:spTree>
+      <p:nvGrpSpPr>
+        <p:cNvPr id="1" name=""/>
+        <p:cNvGrpSpPr/>
+        <p:nvPr/>
+      </p:nvGrpSpPr>
+      <p:grpSpPr>
+        <a:xfrm>
+          <a:off x="0" y="0"/>
+          <a:ext cx="0" cy="0"/>
+          <a:chOff x="0" y="0"/>
+          <a:chExt cx="0" cy="0"/>
+        </a:xfrm>
+      </p:grpSpPr>
+      <p:sp>
+        <p:nvSpPr>
+          <p:cNvPr id="3" name="Номер слайда 2"/>
+          <p:cNvSpPr>
+            <a:spLocks noGrp="1"/>
+          </p:cNvSpPr>
+          <p:nvPr>
+            <p:ph type="sldNum" sz="quarter" idx="12"/>
+          </p:nvPr>
+        </p:nvSpPr>
+        <p:spPr/>
+        <p:txBody>
+          <a:bodyPr/>
+          <a:lstStyle/>
+          <a:p>
+            <a:pPr algn="ctr"/>
+            <a:fld id="{1397BFD8-F312-4EF2-A268-44FB4BDDBBB0}" type="slidenum">
+              <a:rPr lang="ru-RU" smtClean="0"/>
+              <a:pPr algn="ctr"/>
+              <a:t>15</a:t>
+            </a:fld>
+            <a:endParaRPr lang="ru-RU" dirty="0"/>
+          </a:p>
+        </p:txBody>
+      </p:sp>
+      <p:sp>
+        <p:nvSpPr>
+          <p:cNvPr id="4" name="Заголовок 3"/>
+          <p:cNvSpPr>
+            <a:spLocks noGrp="1"/>
+          </p:cNvSpPr>
+          <p:nvPr>
+            <p:ph type="title"/>
+          </p:nvPr>
+        </p:nvSpPr>
+        <p:spPr/>
+        <p:txBody>
+          <a:bodyPr/>
+          <a:lstStyle/>
+          <a:p>
+            <a:r>
+              <a:rPr lang="en-US" dirty="0" smtClean="0"/>
+              <a:t>Example: RARS Bitmap Display</a:t>
+            </a:r>
+            <a:endParaRPr lang="ru-RU" dirty="0"/>
+          </a:p>
+        </p:txBody>
+      </p:sp>
+      <p:pic>
+        <p:nvPicPr>
+          <p:cNvPr id="5" name="Рисунок 4" descr="Screenshot 2021-02-03 at 18.00.26.png"/>
+          <p:cNvPicPr>
+            <a:picLocks noChangeAspect="1"/>
+          </p:cNvPicPr>
+          <p:nvPr/>
+        </p:nvPicPr>
+        <p:blipFill>
+          <a:blip r:embed="rId2" cstate="print"/>
+          <a:stretch>
+            <a:fillRect/>
+          </a:stretch>
+        </p:blipFill>
+        <p:spPr>
+          <a:xfrm>
+            <a:off x="2362206" y="1178835"/>
+            <a:ext cx="7818120" cy="5434965"/>
+          </a:xfrm>
+          <a:prstGeom prst="rect">
+            <a:avLst/>
+          </a:prstGeom>
+        </p:spPr>
+      </p:pic>
+    </p:spTree>
+  </p:cSld>
+  <p:clrMapOvr>
+    <a:masterClrMapping/>
+  </p:clrMapOvr>
+  <p:timing>
+    <p:tnLst>
+      <p:par>
+        <p:cTn id="1" dur="indefinite" restart="never" nodeType="tmRoot"/>
+      </p:par>
+    </p:tnLst>
+  </p:timing>
+</p:sld>
+</file>
+
+<file path=ppt/slides/slide16.xml><?xml version="1.0" encoding="utf-8"?>
+<p:sld xmlns:a="http://schemas.openxmlformats.org/drawingml/2006/main" xmlns:r="http://schemas.openxmlformats.org/officeDocument/2006/relationships" xmlns:p="http://schemas.openxmlformats.org/presentationml/2006/main">
+  <p:cSld>
+    <p:spTree>
+      <p:nvGrpSpPr>
+        <p:cNvPr id="1" name=""/>
+        <p:cNvGrpSpPr/>
+        <p:nvPr/>
+      </p:nvGrpSpPr>
+      <p:grpSpPr>
+        <a:xfrm>
+          <a:off x="0" y="0"/>
+          <a:ext cx="0" cy="0"/>
+          <a:chOff x="0" y="0"/>
+          <a:chExt cx="0" cy="0"/>
+        </a:xfrm>
+      </p:grpSpPr>
+      <p:sp>
+        <p:nvSpPr>
+          <p:cNvPr id="4" name="Прямоугольник 3"/>
+          <p:cNvSpPr/>
+          <p:nvPr/>
+        </p:nvSpPr>
+        <p:spPr>
+          <a:xfrm>
+            <a:off x="2664999" y="472120"/>
+            <a:ext cx="7524751" cy="5262979"/>
+          </a:xfrm>
+          <a:prstGeom prst="rect">
+            <a:avLst/>
+          </a:prstGeom>
+          <a:noFill/>
+          <a:ln>
+            <a:noFill/>
+          </a:ln>
+          <a:scene3d>
+            <a:camera prst="perspectiveRelaxed"/>
+            <a:lightRig rig="threePt" dir="t"/>
+          </a:scene3d>
+        </p:spPr>
+        <p:txBody>
+          <a:bodyPr wrap="square" lIns="91440" tIns="45720" rIns="91440" bIns="45720">
+            <a:spAutoFit/>
+          </a:bodyPr>
+          <a:lstStyle/>
+          <a:p>
+            <a:r>
+              <a:rPr lang="en-US" sz="2400" dirty="0" smtClean="0">
+                <a:ln w="0"/>
+                <a:solidFill>
+                  <a:srgbClr val="273272"/>
+                </a:solidFill>
+                <a:effectLst>
+                  <a:reflection blurRad="6350" stA="53000" endA="300" endPos="35500" dir="5400000" sy="-90000" algn="bl" rotWithShape="0"/>
+                </a:effectLst>
+                <a:latin typeface="Courier New" pitchFamily="49" charset="0"/>
+                <a:cs typeface="Courier New" pitchFamily="49" charset="0"/>
+              </a:rPr>
+              <a:t>		</a:t>
+            </a:r>
+          </a:p>
+          <a:p>
+            <a:r>
+              <a:rPr lang="en-US" sz="2400" dirty="0" smtClean="0">
+                <a:ln w="0"/>
+                <a:solidFill>
+                  <a:srgbClr val="273272"/>
+                </a:solidFill>
+                <a:effectLst>
+                  <a:reflection blurRad="6350" stA="53000" endA="300" endPos="35500" dir="5400000" sy="-90000" algn="bl" rotWithShape="0"/>
+                </a:effectLst>
+                <a:latin typeface="Courier New" pitchFamily="49" charset="0"/>
+                <a:cs typeface="Courier New" pitchFamily="49" charset="0"/>
+              </a:rPr>
+              <a:t>		.text</a:t>
+            </a:r>
+          </a:p>
+          <a:p>
+            <a:r>
+              <a:rPr lang="en-US" sz="2400" dirty="0" smtClean="0">
+                <a:ln w="0"/>
+                <a:solidFill>
+                  <a:srgbClr val="273272"/>
+                </a:solidFill>
+                <a:effectLst>
+                  <a:reflection blurRad="6350" stA="53000" endA="300" endPos="35500" dir="5400000" sy="-90000" algn="bl" rotWithShape="0"/>
+                </a:effectLst>
+                <a:latin typeface="Courier New" pitchFamily="49" charset="0"/>
+                <a:cs typeface="Courier New" pitchFamily="49" charset="0"/>
+              </a:rPr>
+              <a:t>__start:	addi t1, zero, 0x18</a:t>
+            </a:r>
+          </a:p>
+          <a:p>
+            <a:r>
+              <a:rPr lang="en-US" sz="2400" dirty="0" smtClean="0">
+                <a:ln w="0"/>
+                <a:solidFill>
+                  <a:srgbClr val="273272"/>
+                </a:solidFill>
+                <a:effectLst>
+                  <a:reflection blurRad="6350" stA="53000" endA="300" endPos="35500" dir="5400000" sy="-90000" algn="bl" rotWithShape="0"/>
+                </a:effectLst>
+                <a:latin typeface="Courier New" pitchFamily="49" charset="0"/>
+                <a:cs typeface="Courier New" pitchFamily="49" charset="0"/>
+              </a:rPr>
+              <a:t>		addi t2, zero, 0x21</a:t>
+            </a:r>
+          </a:p>
+          <a:p>
+            <a:r>
+              <a:rPr lang="en-US" sz="2400" dirty="0" smtClean="0">
+                <a:ln w="0"/>
+                <a:solidFill>
+                  <a:srgbClr val="273272"/>
+                </a:solidFill>
+                <a:effectLst>
+                  <a:reflection blurRad="6350" stA="53000" endA="300" endPos="35500" dir="5400000" sy="-90000" algn="bl" rotWithShape="0"/>
+                </a:effectLst>
+                <a:latin typeface="Courier New" pitchFamily="49" charset="0"/>
+                <a:cs typeface="Courier New" pitchFamily="49" charset="0"/>
+              </a:rPr>
+              <a:t>cycle:	</a:t>
+            </a:r>
+            <a:r>
+              <a:rPr lang="en-US" sz="2400" dirty="0" err="1" smtClean="0">
+                <a:ln w="0"/>
+                <a:solidFill>
+                  <a:srgbClr val="273272"/>
+                </a:solidFill>
+                <a:effectLst>
+                  <a:reflection blurRad="6350" stA="53000" endA="300" endPos="35500" dir="5400000" sy="-90000" algn="bl" rotWithShape="0"/>
+                </a:effectLst>
+                <a:latin typeface="Courier New" pitchFamily="49" charset="0"/>
+                <a:cs typeface="Courier New" pitchFamily="49" charset="0"/>
+              </a:rPr>
+              <a:t>beq</a:t>
+            </a:r>
+            <a:r>
+              <a:rPr lang="en-US" sz="2400" dirty="0" smtClean="0">
+                <a:ln w="0"/>
+                <a:solidFill>
+                  <a:srgbClr val="273272"/>
+                </a:solidFill>
+                <a:effectLst>
+                  <a:reflection blurRad="6350" stA="53000" endA="300" endPos="35500" dir="5400000" sy="-90000" algn="bl" rotWithShape="0"/>
+                </a:effectLst>
+                <a:latin typeface="Courier New" pitchFamily="49" charset="0"/>
+                <a:cs typeface="Courier New" pitchFamily="49" charset="0"/>
+              </a:rPr>
+              <a:t> t1, t2, done</a:t>
+            </a:r>
+          </a:p>
+          <a:p>
+            <a:r>
+              <a:rPr lang="en-US" sz="2400" dirty="0" smtClean="0">
+                <a:ln w="0"/>
+                <a:solidFill>
+                  <a:srgbClr val="273272"/>
+                </a:solidFill>
+                <a:effectLst>
+                  <a:reflection blurRad="6350" stA="53000" endA="300" endPos="35500" dir="5400000" sy="-90000" algn="bl" rotWithShape="0"/>
+                </a:effectLst>
+                <a:latin typeface="Courier New" pitchFamily="49" charset="0"/>
+                <a:cs typeface="Courier New" pitchFamily="49" charset="0"/>
+              </a:rPr>
+              <a:t>		</a:t>
+            </a:r>
+            <a:r>
+              <a:rPr lang="en-US" sz="2400" dirty="0" err="1" smtClean="0">
+                <a:ln w="0"/>
+                <a:solidFill>
+                  <a:srgbClr val="273272"/>
+                </a:solidFill>
+                <a:effectLst>
+                  <a:reflection blurRad="6350" stA="53000" endA="300" endPos="35500" dir="5400000" sy="-90000" algn="bl" rotWithShape="0"/>
+                </a:effectLst>
+                <a:latin typeface="Courier New" pitchFamily="49" charset="0"/>
+                <a:cs typeface="Courier New" pitchFamily="49" charset="0"/>
+              </a:rPr>
+              <a:t>slt</a:t>
+            </a:r>
+            <a:r>
+              <a:rPr lang="en-US" sz="2400" dirty="0" smtClean="0">
+                <a:ln w="0"/>
+                <a:solidFill>
+                  <a:srgbClr val="273272"/>
+                </a:solidFill>
+                <a:effectLst>
+                  <a:reflection blurRad="6350" stA="53000" endA="300" endPos="35500" dir="5400000" sy="-90000" algn="bl" rotWithShape="0"/>
+                </a:effectLst>
+                <a:latin typeface="Courier New" pitchFamily="49" charset="0"/>
+                <a:cs typeface="Courier New" pitchFamily="49" charset="0"/>
+              </a:rPr>
+              <a:t> t0, t1, t2</a:t>
+            </a:r>
+          </a:p>
+          <a:p>
+            <a:r>
+              <a:rPr lang="en-US" sz="2400" dirty="0" smtClean="0">
+                <a:ln w="0"/>
+                <a:solidFill>
+                  <a:srgbClr val="273272"/>
+                </a:solidFill>
+                <a:effectLst>
+                  <a:reflection blurRad="6350" stA="53000" endA="300" endPos="35500" dir="5400000" sy="-90000" algn="bl" rotWithShape="0"/>
+                </a:effectLst>
+                <a:latin typeface="Courier New" pitchFamily="49" charset="0"/>
+                <a:cs typeface="Courier New" pitchFamily="49" charset="0"/>
+              </a:rPr>
+              <a:t>		</a:t>
+            </a:r>
+            <a:r>
+              <a:rPr lang="en-US" sz="2400" dirty="0" err="1" smtClean="0">
+                <a:ln w="0"/>
+                <a:solidFill>
+                  <a:srgbClr val="273272"/>
+                </a:solidFill>
+                <a:effectLst>
+                  <a:reflection blurRad="6350" stA="53000" endA="300" endPos="35500" dir="5400000" sy="-90000" algn="bl" rotWithShape="0"/>
+                </a:effectLst>
+                <a:latin typeface="Courier New" pitchFamily="49" charset="0"/>
+                <a:cs typeface="Courier New" pitchFamily="49" charset="0"/>
+              </a:rPr>
+              <a:t>bne</a:t>
+            </a:r>
+            <a:r>
+              <a:rPr lang="en-US" sz="2400" dirty="0" smtClean="0">
+                <a:ln w="0"/>
+                <a:solidFill>
+                  <a:srgbClr val="273272"/>
+                </a:solidFill>
+                <a:effectLst>
+                  <a:reflection blurRad="6350" stA="53000" endA="300" endPos="35500" dir="5400000" sy="-90000" algn="bl" rotWithShape="0"/>
+                </a:effectLst>
+                <a:latin typeface="Courier New" pitchFamily="49" charset="0"/>
+                <a:cs typeface="Courier New" pitchFamily="49" charset="0"/>
+              </a:rPr>
+              <a:t> t0, zero, </a:t>
+            </a:r>
+            <a:r>
+              <a:rPr lang="en-US" sz="2400" dirty="0" err="1" smtClean="0">
+                <a:ln w="0"/>
+                <a:solidFill>
+                  <a:srgbClr val="273272"/>
+                </a:solidFill>
+                <a:effectLst>
+                  <a:reflection blurRad="6350" stA="53000" endA="300" endPos="35500" dir="5400000" sy="-90000" algn="bl" rotWithShape="0"/>
+                </a:effectLst>
+                <a:latin typeface="Courier New" pitchFamily="49" charset="0"/>
+                <a:cs typeface="Courier New" pitchFamily="49" charset="0"/>
+              </a:rPr>
+              <a:t>if_less</a:t>
+            </a:r>
+            <a:endParaRPr lang="en-US" sz="2400" dirty="0" smtClean="0">
+              <a:ln w="0"/>
+              <a:solidFill>
+                <a:srgbClr val="273272"/>
+              </a:solidFill>
+              <a:effectLst>
+                <a:reflection blurRad="6350" stA="53000" endA="300" endPos="35500" dir="5400000" sy="-90000" algn="bl" rotWithShape="0"/>
+              </a:effectLst>
+              <a:latin typeface="Courier New" pitchFamily="49" charset="0"/>
+              <a:cs typeface="Courier New" pitchFamily="49" charset="0"/>
+            </a:endParaRPr>
+          </a:p>
+          <a:p>
+            <a:r>
+              <a:rPr lang="en-US" sz="2400" dirty="0" smtClean="0">
+                <a:ln w="0"/>
+                <a:solidFill>
+                  <a:srgbClr val="273272"/>
+                </a:solidFill>
+                <a:effectLst>
+                  <a:reflection blurRad="6350" stA="53000" endA="300" endPos="35500" dir="5400000" sy="-90000" algn="bl" rotWithShape="0"/>
+                </a:effectLst>
+                <a:latin typeface="Courier New" pitchFamily="49" charset="0"/>
+                <a:cs typeface="Courier New" pitchFamily="49" charset="0"/>
+              </a:rPr>
+              <a:t>		</a:t>
+            </a:r>
+            <a:r>
+              <a:rPr lang="en-US" sz="2400" dirty="0" err="1" smtClean="0">
+                <a:ln w="0"/>
+                <a:solidFill>
+                  <a:srgbClr val="273272"/>
+                </a:solidFill>
+                <a:effectLst>
+                  <a:reflection blurRad="6350" stA="53000" endA="300" endPos="35500" dir="5400000" sy="-90000" algn="bl" rotWithShape="0"/>
+                </a:effectLst>
+                <a:latin typeface="Courier New" pitchFamily="49" charset="0"/>
+                <a:cs typeface="Courier New" pitchFamily="49" charset="0"/>
+              </a:rPr>
+              <a:t>nop</a:t>
+            </a:r>
+            <a:endParaRPr lang="en-US" sz="2400" dirty="0" smtClean="0">
+              <a:ln w="0"/>
+              <a:solidFill>
+                <a:srgbClr val="273272"/>
+              </a:solidFill>
+              <a:effectLst>
+                <a:reflection blurRad="6350" stA="53000" endA="300" endPos="35500" dir="5400000" sy="-90000" algn="bl" rotWithShape="0"/>
+              </a:effectLst>
+              <a:latin typeface="Courier New" pitchFamily="49" charset="0"/>
+              <a:cs typeface="Courier New" pitchFamily="49" charset="0"/>
+            </a:endParaRPr>
+          </a:p>
+          <a:p>
+            <a:r>
+              <a:rPr lang="en-US" sz="2400" dirty="0" smtClean="0">
+                <a:ln w="0"/>
+                <a:solidFill>
+                  <a:srgbClr val="273272"/>
+                </a:solidFill>
+                <a:effectLst>
+                  <a:reflection blurRad="6350" stA="53000" endA="300" endPos="35500" dir="5400000" sy="-90000" algn="bl" rotWithShape="0"/>
+                </a:effectLst>
+                <a:latin typeface="Courier New" pitchFamily="49" charset="0"/>
+                <a:cs typeface="Courier New" pitchFamily="49" charset="0"/>
+              </a:rPr>
+              <a:t>		sub t1, t1, t2</a:t>
+            </a:r>
+          </a:p>
+          <a:p>
+            <a:r>
+              <a:rPr lang="en-US" sz="2400" dirty="0" smtClean="0">
+                <a:ln w="0"/>
+                <a:solidFill>
+                  <a:srgbClr val="273272"/>
+                </a:solidFill>
+                <a:effectLst>
+                  <a:reflection blurRad="6350" stA="53000" endA="300" endPos="35500" dir="5400000" sy="-90000" algn="bl" rotWithShape="0"/>
+                </a:effectLst>
+                <a:latin typeface="Courier New" pitchFamily="49" charset="0"/>
+                <a:cs typeface="Courier New" pitchFamily="49" charset="0"/>
+              </a:rPr>
+              <a:t>		j cycle</a:t>
+            </a:r>
+          </a:p>
+          <a:p>
+            <a:r>
+              <a:rPr lang="en-US" sz="2400" dirty="0" smtClean="0">
+                <a:ln w="0"/>
+                <a:solidFill>
+                  <a:srgbClr val="273272"/>
+                </a:solidFill>
+                <a:effectLst>
+                  <a:reflection blurRad="6350" stA="53000" endA="300" endPos="35500" dir="5400000" sy="-90000" algn="bl" rotWithShape="0"/>
+                </a:effectLst>
+                <a:latin typeface="Courier New" pitchFamily="49" charset="0"/>
+                <a:cs typeface="Courier New" pitchFamily="49" charset="0"/>
+              </a:rPr>
+              <a:t>		</a:t>
+            </a:r>
+            <a:r>
+              <a:rPr lang="en-US" sz="2400" dirty="0" err="1" smtClean="0">
+                <a:ln w="0"/>
+                <a:solidFill>
+                  <a:srgbClr val="273272"/>
+                </a:solidFill>
+                <a:effectLst>
+                  <a:reflection blurRad="6350" stA="53000" endA="300" endPos="35500" dir="5400000" sy="-90000" algn="bl" rotWithShape="0"/>
+                </a:effectLst>
+                <a:latin typeface="Courier New" pitchFamily="49" charset="0"/>
+                <a:cs typeface="Courier New" pitchFamily="49" charset="0"/>
+              </a:rPr>
+              <a:t>nop</a:t>
+            </a:r>
+            <a:endParaRPr lang="en-US" sz="2400" dirty="0" smtClean="0">
+              <a:ln w="0"/>
+              <a:solidFill>
+                <a:srgbClr val="273272"/>
+              </a:solidFill>
+              <a:effectLst>
+                <a:reflection blurRad="6350" stA="53000" endA="300" endPos="35500" dir="5400000" sy="-90000" algn="bl" rotWithShape="0"/>
+              </a:effectLst>
+              <a:latin typeface="Courier New" pitchFamily="49" charset="0"/>
+              <a:cs typeface="Courier New" pitchFamily="49" charset="0"/>
+            </a:endParaRPr>
+          </a:p>
+          <a:p>
+            <a:r>
+              <a:rPr lang="en-US" sz="2400" dirty="0" err="1" smtClean="0">
+                <a:ln w="0"/>
+                <a:solidFill>
+                  <a:srgbClr val="273272"/>
+                </a:solidFill>
+                <a:effectLst>
+                  <a:reflection blurRad="6350" stA="53000" endA="300" endPos="35500" dir="5400000" sy="-90000" algn="bl" rotWithShape="0"/>
+                </a:effectLst>
+                <a:latin typeface="Courier New" pitchFamily="49" charset="0"/>
+                <a:cs typeface="Courier New" pitchFamily="49" charset="0"/>
+              </a:rPr>
+              <a:t>if_less</a:t>
+            </a:r>
+            <a:r>
+              <a:rPr lang="en-US" sz="2400" dirty="0" smtClean="0">
+                <a:ln w="0"/>
+                <a:solidFill>
+                  <a:srgbClr val="273272"/>
+                </a:solidFill>
+                <a:effectLst>
+                  <a:reflection blurRad="6350" stA="53000" endA="300" endPos="35500" dir="5400000" sy="-90000" algn="bl" rotWithShape="0"/>
+                </a:effectLst>
+                <a:latin typeface="Courier New" pitchFamily="49" charset="0"/>
+                <a:cs typeface="Courier New" pitchFamily="49" charset="0"/>
+              </a:rPr>
+              <a:t>:	sub t2, t2, t1</a:t>
+            </a:r>
+          </a:p>
+          <a:p>
+            <a:r>
+              <a:rPr lang="en-US" sz="2400" dirty="0" smtClean="0">
+                <a:ln w="0"/>
+                <a:solidFill>
+                  <a:srgbClr val="273272"/>
+                </a:solidFill>
+                <a:effectLst>
+                  <a:reflection blurRad="6350" stA="53000" endA="300" endPos="35500" dir="5400000" sy="-90000" algn="bl" rotWithShape="0"/>
+                </a:effectLst>
+                <a:latin typeface="Courier New" pitchFamily="49" charset="0"/>
+                <a:cs typeface="Courier New" pitchFamily="49" charset="0"/>
+              </a:rPr>
+              <a:t>		j cycle</a:t>
+            </a:r>
+          </a:p>
+          <a:p>
+            <a:r>
+              <a:rPr lang="en-US" sz="2400" dirty="0" smtClean="0">
+                <a:ln w="0"/>
+                <a:solidFill>
+                  <a:srgbClr val="273272"/>
+                </a:solidFill>
+                <a:effectLst>
+                  <a:reflection blurRad="6350" stA="53000" endA="300" endPos="35500" dir="5400000" sy="-90000" algn="bl" rotWithShape="0"/>
+                </a:effectLst>
+                <a:latin typeface="Courier New" pitchFamily="49" charset="0"/>
+                <a:cs typeface="Courier New" pitchFamily="49" charset="0"/>
+              </a:rPr>
+              <a:t>done:		add t3, t1, zero</a:t>
+            </a:r>
+            <a:endParaRPr lang="ru-RU" sz="2400" b="0" cap="none" spc="0" dirty="0">
+              <a:ln w="0"/>
+              <a:solidFill>
+                <a:srgbClr val="273272"/>
+              </a:solidFill>
+              <a:effectLst>
+                <a:reflection blurRad="6350" stA="53000" endA="300" endPos="35500" dir="5400000" sy="-90000" algn="bl" rotWithShape="0"/>
+              </a:effectLst>
+              <a:latin typeface="Courier New" pitchFamily="49" charset="0"/>
+              <a:cs typeface="Courier New" pitchFamily="49" charset="0"/>
+            </a:endParaRPr>
+          </a:p>
+        </p:txBody>
+      </p:sp>
+      <p:sp>
+        <p:nvSpPr>
+          <p:cNvPr id="2" name="Заголовок 1"/>
+          <p:cNvSpPr>
+            <a:spLocks noGrp="1"/>
+          </p:cNvSpPr>
+          <p:nvPr>
+            <p:ph type="title"/>
+          </p:nvPr>
+        </p:nvSpPr>
+        <p:spPr/>
+        <p:txBody>
+          <a:bodyPr>
+            <a:normAutofit/>
+          </a:bodyPr>
+          <a:lstStyle/>
+          <a:p>
+            <a:r>
+              <a:rPr lang="en-US" dirty="0" smtClean="0"/>
+              <a:t>Any Questions?</a:t>
+            </a:r>
+            <a:endParaRPr lang="ru-RU" sz="4000" dirty="0"/>
+          </a:p>
+        </p:txBody>
+      </p:sp>
+      <p:sp>
+        <p:nvSpPr>
+          <p:cNvPr id="6" name="Номер слайда 5"/>
+          <p:cNvSpPr>
+            <a:spLocks noGrp="1"/>
+          </p:cNvSpPr>
+          <p:nvPr>
+            <p:ph type="sldNum" sz="quarter" idx="12"/>
+          </p:nvPr>
+        </p:nvSpPr>
+        <p:spPr/>
+        <p:txBody>
+          <a:bodyPr/>
+          <a:lstStyle/>
+          <a:p>
+            <a:pPr algn="ctr"/>
+            <a:fld id="{1397BFD8-F312-4EF2-A268-44FB4BDDBBB0}" type="slidenum">
+              <a:rPr lang="ru-RU" smtClean="0"/>
+              <a:pPr algn="ctr"/>
+              <a:t>16</a:t>
+            </a:fld>
+            <a:endParaRPr lang="ru-RU" dirty="0"/>
+          </a:p>
+        </p:txBody>
+      </p:sp>
+    </p:spTree>
+    <p:extLst>
+      <p:ext uri="{BB962C8B-B14F-4D97-AF65-F5344CB8AC3E}">
+        <p14:creationId xmlns:p14="http://schemas.microsoft.com/office/powerpoint/2010/main" val="4217875043"/>
+      </p:ext>
+    </p:extLst>
+  </p:cSld>
+  <p:clrMapOvr>
+    <a:masterClrMapping/>
+  </p:clrMapOvr>
+  <p:timing>
+    <p:tnLst>
+      <p:par>
+        <p:cTn id="1" dur="indefinite" restart="never" nodeType="tmRoot"/>
+      </p:par>
+    </p:tnLst>
+  </p:timing>
+</p:sld>
+</file>
+
+<file path=ppt/slides/slide2.xml><?xml version="1.0" encoding="utf-8"?>
+<p:sld xmlns:a="http://schemas.openxmlformats.org/drawingml/2006/main" xmlns:r="http://schemas.openxmlformats.org/officeDocument/2006/relationships" xmlns:p="http://schemas.openxmlformats.org/presentationml/2006/main">
+  <p:cSld>
+    <p:spTree>
+      <p:nvGrpSpPr>
+        <p:cNvPr id="1" name=""/>
+        <p:cNvGrpSpPr/>
+        <p:nvPr/>
+      </p:nvGrpSpPr>
+      <p:grpSpPr>
+        <a:xfrm>
+          <a:off x="0" y="0"/>
+          <a:ext cx="0" cy="0"/>
+          <a:chOff x="0" y="0"/>
+          <a:chExt cx="0" cy="0"/>
+        </a:xfrm>
+      </p:grpSpPr>
+      <p:sp>
+        <p:nvSpPr>
+          <p:cNvPr id="2" name="Содержимое 1"/>
+          <p:cNvSpPr>
+            <a:spLocks noGrp="1"/>
+          </p:cNvSpPr>
+          <p:nvPr>
+            <p:ph idx="1"/>
+          </p:nvPr>
+        </p:nvSpPr>
+        <p:spPr>
+          <a:xfrm>
+            <a:off x="838200" y="1178052"/>
+            <a:ext cx="10515600" cy="5464047"/>
+          </a:xfrm>
+        </p:spPr>
+        <p:txBody>
+          <a:bodyPr>
+            <a:normAutofit/>
+          </a:bodyPr>
+          <a:lstStyle/>
+          <a:p>
+            <a:r>
+              <a:rPr lang="en-US" dirty="0" smtClean="0"/>
+              <a:t>Human readable</a:t>
+            </a:r>
+          </a:p>
+          <a:p>
+            <a:pPr lvl="1"/>
+            <a:r>
+              <a:rPr lang="en-US" dirty="0" smtClean="0"/>
+              <a:t>Suitable for communicating with users</a:t>
+            </a:r>
+          </a:p>
+          <a:p>
+            <a:pPr lvl="1"/>
+            <a:r>
+              <a:rPr lang="en-US" dirty="0" smtClean="0"/>
+              <a:t>Video displays, printers</a:t>
+            </a:r>
+          </a:p>
+          <a:p>
+            <a:r>
+              <a:rPr lang="en-US" dirty="0" smtClean="0"/>
+              <a:t>Machine readable</a:t>
+            </a:r>
+          </a:p>
+          <a:p>
+            <a:pPr lvl="1"/>
+            <a:r>
+              <a:rPr lang="en-US" dirty="0" smtClean="0"/>
+              <a:t>Suitable for communicating with equipment</a:t>
+            </a:r>
+          </a:p>
+          <a:p>
+            <a:pPr lvl="1"/>
+            <a:r>
+              <a:rPr lang="en-US" dirty="0" smtClean="0"/>
+              <a:t>Magnetic disks, SSDs, sensors</a:t>
+            </a:r>
+          </a:p>
+          <a:p>
+            <a:r>
+              <a:rPr lang="en-US" dirty="0" smtClean="0"/>
+              <a:t>Communication</a:t>
+            </a:r>
+          </a:p>
+          <a:p>
+            <a:pPr lvl="1"/>
+            <a:r>
+              <a:rPr lang="en-US" dirty="0" smtClean="0"/>
+              <a:t>Suitable for communicating with remote devices such as a terminal or another computer</a:t>
+            </a:r>
+          </a:p>
+          <a:p>
+            <a:pPr lvl="1"/>
+            <a:r>
+              <a:rPr lang="en-US" dirty="0" smtClean="0"/>
+              <a:t>Network interface card</a:t>
+            </a:r>
+            <a:endParaRPr lang="ru-RU" dirty="0"/>
+          </a:p>
+        </p:txBody>
+      </p:sp>
+      <p:sp>
+        <p:nvSpPr>
+          <p:cNvPr id="3" name="Номер слайда 2"/>
+          <p:cNvSpPr>
+            <a:spLocks noGrp="1"/>
+          </p:cNvSpPr>
+          <p:nvPr>
+            <p:ph type="sldNum" sz="quarter" idx="12"/>
+          </p:nvPr>
+        </p:nvSpPr>
+        <p:spPr/>
+        <p:txBody>
+          <a:bodyPr/>
+          <a:lstStyle/>
+          <a:p>
+            <a:pPr algn="ctr"/>
+            <a:fld id="{1397BFD8-F312-4EF2-A268-44FB4BDDBBB0}" type="slidenum">
+              <a:rPr lang="ru-RU" smtClean="0"/>
+              <a:pPr algn="ctr"/>
+              <a:t>2</a:t>
+            </a:fld>
+            <a:endParaRPr lang="ru-RU" dirty="0"/>
+          </a:p>
+        </p:txBody>
+      </p:sp>
+      <p:sp>
+        <p:nvSpPr>
+          <p:cNvPr id="4" name="Заголовок 3"/>
+          <p:cNvSpPr>
+            <a:spLocks noGrp="1"/>
+          </p:cNvSpPr>
+          <p:nvPr>
+            <p:ph type="title"/>
+          </p:nvPr>
+        </p:nvSpPr>
+        <p:spPr/>
+        <p:txBody>
+          <a:bodyPr/>
+          <a:lstStyle/>
+          <a:p>
+            <a:r>
+              <a:rPr lang="en-US" dirty="0" smtClean="0"/>
+              <a:t>I/O Devices</a:t>
+            </a:r>
+            <a:endParaRPr lang="ru-RU" dirty="0"/>
+          </a:p>
+        </p:txBody>
+      </p:sp>
+    </p:spTree>
+  </p:cSld>
+  <p:clrMapOvr>
+    <a:masterClrMapping/>
+  </p:clrMapOvr>
+  <p:timing>
+    <p:tnLst>
+      <p:par>
+        <p:cTn id="1" dur="indefinite" restart="never" nodeType="tmRoot"/>
+      </p:par>
+    </p:tnLst>
+  </p:timing>
+</p:sld>
+</file>
+
+<file path=ppt/slides/slide3.xml><?xml version="1.0" encoding="utf-8"?>
+<p:sld xmlns:a="http://schemas.openxmlformats.org/drawingml/2006/main" xmlns:r="http://schemas.openxmlformats.org/officeDocument/2006/relationships" xmlns:p="http://schemas.openxmlformats.org/presentationml/2006/main">
+  <p:cSld>
+    <p:spTree>
+      <p:nvGrpSpPr>
+        <p:cNvPr id="1" name=""/>
+        <p:cNvGrpSpPr/>
+        <p:nvPr/>
+      </p:nvGrpSpPr>
+      <p:grpSpPr>
+        <a:xfrm>
+          <a:off x="0" y="0"/>
+          <a:ext cx="0" cy="0"/>
+          <a:chOff x="0" y="0"/>
+          <a:chExt cx="0" cy="0"/>
+        </a:xfrm>
+      </p:grpSpPr>
+      <p:sp>
+        <p:nvSpPr>
+          <p:cNvPr id="3" name="Номер слайда 2"/>
+          <p:cNvSpPr>
+            <a:spLocks noGrp="1"/>
+          </p:cNvSpPr>
+          <p:nvPr>
+            <p:ph type="sldNum" sz="quarter" idx="12"/>
+          </p:nvPr>
+        </p:nvSpPr>
+        <p:spPr/>
+        <p:txBody>
+          <a:bodyPr/>
+          <a:lstStyle/>
+          <a:p>
+            <a:pPr algn="ctr"/>
+            <a:fld id="{1397BFD8-F312-4EF2-A268-44FB4BDDBBB0}" type="slidenum">
+              <a:rPr lang="ru-RU" smtClean="0"/>
+              <a:pPr algn="ctr"/>
+              <a:t>3</a:t>
+            </a:fld>
+            <a:endParaRPr lang="ru-RU" dirty="0"/>
+          </a:p>
+        </p:txBody>
+      </p:sp>
+      <p:sp>
+        <p:nvSpPr>
+          <p:cNvPr id="4" name="Заголовок 3"/>
+          <p:cNvSpPr>
+            <a:spLocks noGrp="1"/>
+          </p:cNvSpPr>
+          <p:nvPr>
+            <p:ph type="title"/>
+          </p:nvPr>
+        </p:nvSpPr>
+        <p:spPr/>
+        <p:txBody>
+          <a:bodyPr/>
+          <a:lstStyle/>
+          <a:p>
+            <a:r>
+              <a:rPr lang="en-US" dirty="0" smtClean="0"/>
+              <a:t>I/O Module</a:t>
+            </a:r>
+            <a:endParaRPr lang="ru-RU" dirty="0"/>
+          </a:p>
+        </p:txBody>
+      </p:sp>
+      <p:sp>
+        <p:nvSpPr>
+          <p:cNvPr id="6" name="Прямоугольник 5"/>
+          <p:cNvSpPr/>
+          <p:nvPr/>
+        </p:nvSpPr>
+        <p:spPr>
+          <a:xfrm>
+            <a:off x="6728675" y="3027225"/>
+            <a:ext cx="2743200" cy="1651000"/>
+          </a:xfrm>
+          <a:prstGeom prst="rect">
+            <a:avLst/>
+          </a:prstGeom>
+          <a:solidFill>
+            <a:srgbClr val="2F5CB5"/>
+          </a:solidFill>
+        </p:spPr>
+        <p:style>
+          <a:lnRef idx="2">
+            <a:schemeClr val="accent1">
+              <a:shade val="50000"/>
+            </a:schemeClr>
+          </a:lnRef>
+          <a:fillRef idx="1">
+            <a:schemeClr val="accent1"/>
+          </a:fillRef>
+          <a:effectRef idx="0">
+            <a:schemeClr val="accent1"/>
+          </a:effectRef>
+          <a:fontRef idx="minor">
+            <a:schemeClr val="lt1"/>
+          </a:fontRef>
+        </p:style>
+        <p:txBody>
+          <a:bodyPr rtlCol="0" anchor="ctr"/>
+          <a:lstStyle/>
+          <a:p>
+            <a:pPr algn="ctr"/>
+            <a:r>
+              <a:rPr lang="en-US" sz="3600" b="1" dirty="0" smtClean="0">
+                <a:solidFill>
+                  <a:srgbClr val="F7B217"/>
+                </a:solidFill>
+              </a:rPr>
+              <a:t>I/O Module</a:t>
+            </a:r>
+            <a:endParaRPr lang="ru-RU" sz="3600" b="1" dirty="0">
+              <a:solidFill>
+                <a:srgbClr val="F7B217"/>
+              </a:solidFill>
+            </a:endParaRPr>
+          </a:p>
+        </p:txBody>
+      </p:sp>
+      <p:sp>
+        <p:nvSpPr>
+          <p:cNvPr id="8" name="Прямоугольник 7"/>
+          <p:cNvSpPr/>
+          <p:nvPr/>
+        </p:nvSpPr>
+        <p:spPr>
+          <a:xfrm>
+            <a:off x="6119075" y="1350825"/>
+            <a:ext cx="3619500" cy="304800"/>
+          </a:xfrm>
+          <a:prstGeom prst="rect">
+            <a:avLst/>
+          </a:prstGeom>
+          <a:solidFill>
+            <a:srgbClr val="F3B217"/>
+          </a:solidFill>
+          <a:ln w="25400"/>
+        </p:spPr>
+        <p:style>
+          <a:lnRef idx="2">
+            <a:schemeClr val="accent1">
+              <a:shade val="50000"/>
+            </a:schemeClr>
+          </a:lnRef>
+          <a:fillRef idx="1">
+            <a:schemeClr val="accent1"/>
+          </a:fillRef>
+          <a:effectRef idx="0">
+            <a:schemeClr val="accent1"/>
+          </a:effectRef>
+          <a:fontRef idx="minor">
+            <a:schemeClr val="lt1"/>
+          </a:fontRef>
+        </p:style>
+        <p:txBody>
+          <a:bodyPr rtlCol="0" anchor="ctr"/>
+          <a:lstStyle/>
+          <a:p>
+            <a:pPr algn="ctr"/>
+            <a:r>
+              <a:rPr lang="en-US" b="1" dirty="0" smtClean="0">
+                <a:solidFill>
+                  <a:srgbClr val="1E3272"/>
+                </a:solidFill>
+              </a:rPr>
+              <a:t>Address Lines</a:t>
+            </a:r>
+            <a:endParaRPr lang="ru-RU" b="1" dirty="0">
+              <a:solidFill>
+                <a:srgbClr val="1E3272"/>
+              </a:solidFill>
+            </a:endParaRPr>
+          </a:p>
+        </p:txBody>
+      </p:sp>
+      <p:sp>
+        <p:nvSpPr>
+          <p:cNvPr id="11" name="Правая фигурная скобка 10"/>
+          <p:cNvSpPr/>
+          <p:nvPr/>
+        </p:nvSpPr>
+        <p:spPr>
+          <a:xfrm>
+            <a:off x="9820550" y="1311075"/>
+            <a:ext cx="444500" cy="1384300"/>
+          </a:xfrm>
+          <a:prstGeom prst="rightBrace">
+            <a:avLst/>
+          </a:prstGeom>
+          <a:ln w="38100">
+            <a:solidFill>
+              <a:srgbClr val="1E3272"/>
+            </a:solidFill>
+          </a:ln>
+        </p:spPr>
+        <p:style>
+          <a:lnRef idx="1">
+            <a:schemeClr val="accent1"/>
+          </a:lnRef>
+          <a:fillRef idx="0">
+            <a:schemeClr val="accent1"/>
+          </a:fillRef>
+          <a:effectRef idx="0">
+            <a:schemeClr val="accent1"/>
+          </a:effectRef>
+          <a:fontRef idx="minor">
+            <a:schemeClr val="tx1"/>
+          </a:fontRef>
+        </p:style>
+        <p:txBody>
+          <a:bodyPr rtlCol="0" anchor="ctr"/>
+          <a:lstStyle/>
+          <a:p>
+            <a:pPr algn="ctr"/>
+            <a:endParaRPr lang="ru-RU"/>
+          </a:p>
+        </p:txBody>
+      </p:sp>
+      <p:sp>
+        <p:nvSpPr>
+          <p:cNvPr id="12" name="TextBox 11"/>
+          <p:cNvSpPr txBox="1"/>
+          <p:nvPr/>
+        </p:nvSpPr>
+        <p:spPr>
+          <a:xfrm>
+            <a:off x="10387079" y="1741224"/>
+            <a:ext cx="1036977" cy="558800"/>
+          </a:xfrm>
+          <a:prstGeom prst="rect">
+            <a:avLst/>
+          </a:prstGeom>
+          <a:solidFill>
+            <a:schemeClr val="bg1"/>
+          </a:solidFill>
+        </p:spPr>
+        <p:txBody>
+          <a:bodyPr wrap="square" lIns="72000" tIns="25200" rIns="0" bIns="25200" rtlCol="0" anchor="ctr" anchorCtr="0">
+            <a:noAutofit/>
+          </a:bodyPr>
+          <a:lstStyle/>
+          <a:p>
+            <a:r>
+              <a:rPr lang="en-US" sz="2400" b="1" dirty="0" err="1" smtClean="0">
+                <a:solidFill>
+                  <a:srgbClr val="1E3272"/>
+                </a:solidFill>
+                <a:latin typeface="+mj-lt"/>
+              </a:rPr>
+              <a:t>Systembus</a:t>
+            </a:r>
+            <a:endParaRPr lang="ru-RU" sz="2400" b="1" dirty="0" smtClean="0">
+              <a:solidFill>
+                <a:srgbClr val="1E3272"/>
+              </a:solidFill>
+              <a:latin typeface="+mj-lt"/>
+            </a:endParaRPr>
+          </a:p>
+        </p:txBody>
+      </p:sp>
+      <p:cxnSp>
+        <p:nvCxnSpPr>
+          <p:cNvPr id="14" name="Прямая соединительная линия 13"/>
+          <p:cNvCxnSpPr/>
+          <p:nvPr/>
+        </p:nvCxnSpPr>
+        <p:spPr>
+          <a:xfrm flipH="1">
+            <a:off x="6840176" y="4678225"/>
+            <a:ext cx="587000" cy="1318813"/>
+          </a:xfrm>
+          <a:prstGeom prst="line">
+            <a:avLst/>
+          </a:prstGeom>
+          <a:ln w="38100">
+            <a:solidFill>
+              <a:srgbClr val="1E3272"/>
+            </a:solidFill>
+          </a:ln>
+        </p:spPr>
+        <p:style>
+          <a:lnRef idx="1">
+            <a:schemeClr val="accent1"/>
+          </a:lnRef>
+          <a:fillRef idx="0">
+            <a:schemeClr val="accent1"/>
+          </a:fillRef>
+          <a:effectRef idx="0">
+            <a:schemeClr val="accent1"/>
+          </a:effectRef>
+          <a:fontRef idx="minor">
+            <a:schemeClr val="tx1"/>
+          </a:fontRef>
+        </p:style>
+      </p:cxnSp>
+      <p:cxnSp>
+        <p:nvCxnSpPr>
+          <p:cNvPr id="15" name="Прямая соединительная линия 14"/>
+          <p:cNvCxnSpPr>
+            <a:stCxn id="6" idx="2"/>
+          </p:cNvCxnSpPr>
+          <p:nvPr/>
+        </p:nvCxnSpPr>
+        <p:spPr>
+          <a:xfrm>
+            <a:off x="8100275" y="4678225"/>
+            <a:ext cx="46186" cy="1306937"/>
+          </a:xfrm>
+          <a:prstGeom prst="line">
+            <a:avLst/>
+          </a:prstGeom>
+          <a:ln w="38100">
+            <a:solidFill>
+              <a:srgbClr val="1E3272"/>
+            </a:solidFill>
+          </a:ln>
+        </p:spPr>
+        <p:style>
+          <a:lnRef idx="1">
+            <a:schemeClr val="accent1"/>
+          </a:lnRef>
+          <a:fillRef idx="0">
+            <a:schemeClr val="accent1"/>
+          </a:fillRef>
+          <a:effectRef idx="0">
+            <a:schemeClr val="accent1"/>
+          </a:effectRef>
+          <a:fontRef idx="minor">
+            <a:schemeClr val="tx1"/>
+          </a:fontRef>
+        </p:style>
+      </p:cxnSp>
+      <p:cxnSp>
+        <p:nvCxnSpPr>
+          <p:cNvPr id="18" name="Прямая соединительная линия 17"/>
+          <p:cNvCxnSpPr/>
+          <p:nvPr/>
+        </p:nvCxnSpPr>
+        <p:spPr>
+          <a:xfrm>
+            <a:off x="8786075" y="4678225"/>
+            <a:ext cx="583545" cy="1318813"/>
+          </a:xfrm>
+          <a:prstGeom prst="line">
+            <a:avLst/>
+          </a:prstGeom>
+          <a:ln w="38100">
+            <a:solidFill>
+              <a:srgbClr val="1E3272"/>
+            </a:solidFill>
+          </a:ln>
+        </p:spPr>
+        <p:style>
+          <a:lnRef idx="1">
+            <a:schemeClr val="accent1"/>
+          </a:lnRef>
+          <a:fillRef idx="0">
+            <a:schemeClr val="accent1"/>
+          </a:fillRef>
+          <a:effectRef idx="0">
+            <a:schemeClr val="accent1"/>
+          </a:effectRef>
+          <a:fontRef idx="minor">
+            <a:schemeClr val="tx1"/>
+          </a:fontRef>
+        </p:style>
+      </p:cxnSp>
+      <p:sp>
+        <p:nvSpPr>
+          <p:cNvPr id="22" name="Правая фигурная скобка 21"/>
+          <p:cNvSpPr/>
+          <p:nvPr/>
+        </p:nvSpPr>
+        <p:spPr>
+          <a:xfrm>
+            <a:off x="9572825" y="4797800"/>
+            <a:ext cx="444500" cy="1384300"/>
+          </a:xfrm>
+          <a:prstGeom prst="rightBrace">
+            <a:avLst/>
+          </a:prstGeom>
+          <a:ln w="38100">
+            <a:solidFill>
+              <a:srgbClr val="1E3272"/>
+            </a:solidFill>
+          </a:ln>
+        </p:spPr>
+        <p:style>
+          <a:lnRef idx="1">
+            <a:schemeClr val="accent1"/>
+          </a:lnRef>
+          <a:fillRef idx="0">
+            <a:schemeClr val="accent1"/>
+          </a:fillRef>
+          <a:effectRef idx="0">
+            <a:schemeClr val="accent1"/>
+          </a:effectRef>
+          <a:fontRef idx="minor">
+            <a:schemeClr val="tx1"/>
+          </a:fontRef>
+        </p:style>
+        <p:txBody>
+          <a:bodyPr rtlCol="0" anchor="ctr"/>
+          <a:lstStyle/>
+          <a:p>
+            <a:pPr algn="ctr"/>
+            <a:endParaRPr lang="ru-RU"/>
+          </a:p>
+        </p:txBody>
+      </p:sp>
+      <p:cxnSp>
+        <p:nvCxnSpPr>
+          <p:cNvPr id="23" name="Прямая соединительная линия 22"/>
+          <p:cNvCxnSpPr/>
+          <p:nvPr/>
+        </p:nvCxnSpPr>
+        <p:spPr>
+          <a:xfrm flipV="1">
+            <a:off x="7350975" y="2697025"/>
+            <a:ext cx="0" cy="317500"/>
+          </a:xfrm>
+          <a:prstGeom prst="line">
+            <a:avLst/>
+          </a:prstGeom>
+          <a:ln w="38100">
+            <a:solidFill>
+              <a:srgbClr val="1E3272"/>
+            </a:solidFill>
+          </a:ln>
+        </p:spPr>
+        <p:style>
+          <a:lnRef idx="1">
+            <a:schemeClr val="accent1"/>
+          </a:lnRef>
+          <a:fillRef idx="0">
+            <a:schemeClr val="accent1"/>
+          </a:fillRef>
+          <a:effectRef idx="0">
+            <a:schemeClr val="accent1"/>
+          </a:effectRef>
+          <a:fontRef idx="minor">
+            <a:schemeClr val="tx1"/>
+          </a:fontRef>
+        </p:style>
+      </p:cxnSp>
+      <p:cxnSp>
+        <p:nvCxnSpPr>
+          <p:cNvPr id="26" name="Прямая соединительная линия 25"/>
+          <p:cNvCxnSpPr/>
+          <p:nvPr/>
+        </p:nvCxnSpPr>
+        <p:spPr>
+          <a:xfrm flipH="1" flipV="1">
+            <a:off x="8821000" y="1646100"/>
+            <a:ext cx="3175" cy="1374775"/>
+          </a:xfrm>
+          <a:prstGeom prst="line">
+            <a:avLst/>
+          </a:prstGeom>
+          <a:ln w="38100">
+            <a:solidFill>
+              <a:srgbClr val="1E3272"/>
+            </a:solidFill>
+          </a:ln>
+        </p:spPr>
+        <p:style>
+          <a:lnRef idx="1">
+            <a:schemeClr val="accent1"/>
+          </a:lnRef>
+          <a:fillRef idx="0">
+            <a:schemeClr val="accent1"/>
+          </a:fillRef>
+          <a:effectRef idx="0">
+            <a:schemeClr val="accent1"/>
+          </a:effectRef>
+          <a:fontRef idx="minor">
+            <a:schemeClr val="tx1"/>
+          </a:fontRef>
+        </p:style>
+      </p:cxnSp>
+      <p:sp>
+        <p:nvSpPr>
+          <p:cNvPr id="9" name="Прямоугольник 8"/>
+          <p:cNvSpPr/>
+          <p:nvPr/>
+        </p:nvSpPr>
+        <p:spPr>
+          <a:xfrm>
+            <a:off x="6093675" y="1858825"/>
+            <a:ext cx="3657600" cy="304800"/>
+          </a:xfrm>
+          <a:prstGeom prst="rect">
+            <a:avLst/>
+          </a:prstGeom>
+          <a:solidFill>
+            <a:srgbClr val="F3B217"/>
+          </a:solidFill>
+          <a:ln w="25400"/>
+        </p:spPr>
+        <p:style>
+          <a:lnRef idx="2">
+            <a:schemeClr val="accent1">
+              <a:shade val="50000"/>
+            </a:schemeClr>
+          </a:lnRef>
+          <a:fillRef idx="1">
+            <a:schemeClr val="accent1"/>
+          </a:fillRef>
+          <a:effectRef idx="0">
+            <a:schemeClr val="accent1"/>
+          </a:effectRef>
+          <a:fontRef idx="minor">
+            <a:schemeClr val="lt1"/>
+          </a:fontRef>
+        </p:style>
+        <p:txBody>
+          <a:bodyPr rtlCol="0" anchor="ctr"/>
+          <a:lstStyle/>
+          <a:p>
+            <a:pPr algn="ctr"/>
+            <a:r>
+              <a:rPr lang="en-US" b="1" dirty="0" smtClean="0">
+                <a:solidFill>
+                  <a:srgbClr val="1E3272"/>
+                </a:solidFill>
+              </a:rPr>
+              <a:t>Data Lines</a:t>
+            </a:r>
+            <a:endParaRPr lang="ru-RU" b="1" dirty="0">
+              <a:solidFill>
+                <a:srgbClr val="1E3272"/>
+              </a:solidFill>
+            </a:endParaRPr>
+          </a:p>
+        </p:txBody>
+      </p:sp>
+      <p:cxnSp>
+        <p:nvCxnSpPr>
+          <p:cNvPr id="32" name="Прямая соединительная линия 31"/>
+          <p:cNvCxnSpPr>
+            <a:stCxn id="6" idx="0"/>
+          </p:cNvCxnSpPr>
+          <p:nvPr/>
+        </p:nvCxnSpPr>
+        <p:spPr>
+          <a:xfrm flipV="1">
+            <a:off x="8100275" y="2150925"/>
+            <a:ext cx="6350" cy="876300"/>
+          </a:xfrm>
+          <a:prstGeom prst="line">
+            <a:avLst/>
+          </a:prstGeom>
+          <a:ln w="38100">
+            <a:solidFill>
+              <a:srgbClr val="1E3272"/>
+            </a:solidFill>
+          </a:ln>
+        </p:spPr>
+        <p:style>
+          <a:lnRef idx="1">
+            <a:schemeClr val="accent1"/>
+          </a:lnRef>
+          <a:fillRef idx="0">
+            <a:schemeClr val="accent1"/>
+          </a:fillRef>
+          <a:effectRef idx="0">
+            <a:schemeClr val="accent1"/>
+          </a:effectRef>
+          <a:fontRef idx="minor">
+            <a:schemeClr val="tx1"/>
+          </a:fontRef>
+        </p:style>
+      </p:cxnSp>
+      <p:sp>
+        <p:nvSpPr>
+          <p:cNvPr id="10" name="Прямоугольник 9"/>
+          <p:cNvSpPr/>
+          <p:nvPr/>
+        </p:nvSpPr>
+        <p:spPr>
+          <a:xfrm>
+            <a:off x="6080975" y="2392225"/>
+            <a:ext cx="3657600" cy="292100"/>
+          </a:xfrm>
+          <a:prstGeom prst="rect">
+            <a:avLst/>
+          </a:prstGeom>
+          <a:solidFill>
+            <a:srgbClr val="F3B217"/>
+          </a:solidFill>
+          <a:ln w="25400"/>
+        </p:spPr>
+        <p:style>
+          <a:lnRef idx="2">
+            <a:schemeClr val="accent1">
+              <a:shade val="50000"/>
+            </a:schemeClr>
+          </a:lnRef>
+          <a:fillRef idx="1">
+            <a:schemeClr val="accent1"/>
+          </a:fillRef>
+          <a:effectRef idx="0">
+            <a:schemeClr val="accent1"/>
+          </a:effectRef>
+          <a:fontRef idx="minor">
+            <a:schemeClr val="lt1"/>
+          </a:fontRef>
+        </p:style>
+        <p:txBody>
+          <a:bodyPr rtlCol="0" anchor="ctr"/>
+          <a:lstStyle/>
+          <a:p>
+            <a:pPr algn="ctr"/>
+            <a:r>
+              <a:rPr lang="en-US" b="1" dirty="0" smtClean="0">
+                <a:solidFill>
+                  <a:srgbClr val="1E3272"/>
+                </a:solidFill>
+              </a:rPr>
+              <a:t>Control Lines</a:t>
+            </a:r>
+            <a:endParaRPr lang="ru-RU" b="1" dirty="0">
+              <a:solidFill>
+                <a:srgbClr val="1E3272"/>
+              </a:solidFill>
+            </a:endParaRPr>
+          </a:p>
+        </p:txBody>
+      </p:sp>
+      <p:sp>
+        <p:nvSpPr>
+          <p:cNvPr id="37" name="TextBox 36"/>
+          <p:cNvSpPr txBox="1"/>
+          <p:nvPr/>
+        </p:nvSpPr>
+        <p:spPr>
+          <a:xfrm>
+            <a:off x="10022650" y="4952019"/>
+            <a:ext cx="1625600" cy="999919"/>
+          </a:xfrm>
+          <a:prstGeom prst="rect">
+            <a:avLst/>
+          </a:prstGeom>
+          <a:solidFill>
+            <a:schemeClr val="bg1"/>
+          </a:solidFill>
+        </p:spPr>
+        <p:txBody>
+          <a:bodyPr wrap="square" lIns="72000" tIns="25200" rIns="0" bIns="25200" rtlCol="0" anchor="ctr" anchorCtr="0">
+            <a:noAutofit/>
+          </a:bodyPr>
+          <a:lstStyle/>
+          <a:p>
+            <a:r>
+              <a:rPr lang="en-US" sz="2400" b="1" dirty="0" smtClean="0">
+                <a:solidFill>
+                  <a:srgbClr val="1E3272"/>
+                </a:solidFill>
+                <a:latin typeface="+mj-lt"/>
+              </a:rPr>
+              <a:t>Links to peripheral</a:t>
+            </a:r>
+          </a:p>
+          <a:p>
+            <a:r>
+              <a:rPr lang="en-US" sz="2400" b="1" dirty="0" smtClean="0">
+                <a:solidFill>
+                  <a:srgbClr val="1E3272"/>
+                </a:solidFill>
+                <a:latin typeface="+mj-lt"/>
+              </a:rPr>
+              <a:t>devices</a:t>
+            </a:r>
+            <a:endParaRPr lang="ru-RU" sz="2400" b="1" dirty="0" smtClean="0">
+              <a:solidFill>
+                <a:srgbClr val="1E3272"/>
+              </a:solidFill>
+              <a:latin typeface="+mj-lt"/>
+            </a:endParaRPr>
+          </a:p>
+        </p:txBody>
+      </p:sp>
+      <p:sp>
+        <p:nvSpPr>
+          <p:cNvPr id="39" name="Содержимое 1"/>
+          <p:cNvSpPr>
+            <a:spLocks noGrp="1"/>
+          </p:cNvSpPr>
+          <p:nvPr>
+            <p:ph idx="1"/>
+          </p:nvPr>
+        </p:nvSpPr>
+        <p:spPr>
+          <a:xfrm>
+            <a:off x="778824" y="1094927"/>
+            <a:ext cx="5408222" cy="5531506"/>
+          </a:xfrm>
+        </p:spPr>
+        <p:txBody>
+          <a:bodyPr>
+            <a:normAutofit/>
+          </a:bodyPr>
+          <a:lstStyle/>
+          <a:p>
+            <a:r>
+              <a:rPr lang="en-US" dirty="0" smtClean="0"/>
+              <a:t>Attach to the processor by a link to an I/O module</a:t>
+            </a:r>
+          </a:p>
+          <a:p>
+            <a:pPr lvl="1"/>
+            <a:r>
+              <a:rPr lang="en-US" dirty="0" smtClean="0"/>
+              <a:t>The link is used to exchange control, status, and data between the I/O module and the external device</a:t>
+            </a:r>
+          </a:p>
+          <a:p>
+            <a:r>
+              <a:rPr lang="en-US" dirty="0" smtClean="0"/>
+              <a:t>Peripheral device</a:t>
+            </a:r>
+          </a:p>
+          <a:p>
+            <a:pPr lvl="1"/>
+            <a:r>
+              <a:rPr lang="en-US" dirty="0" smtClean="0"/>
+              <a:t>An external device connected to an I/O module</a:t>
+            </a:r>
+          </a:p>
+        </p:txBody>
+      </p:sp>
+    </p:spTree>
+  </p:cSld>
+  <p:clrMapOvr>
+    <a:masterClrMapping/>
+  </p:clrMapOvr>
+  <p:timing>
+    <p:tnLst>
+      <p:par>
+        <p:cTn id="1" dur="indefinite" restart="never" nodeType="tmRoot"/>
+      </p:par>
+    </p:tnLst>
+  </p:timing>
+</p:sld>
+</file>
+
+<file path=ppt/slides/slide4.xml><?xml version="1.0" encoding="utf-8"?>
+<p:sld xmlns:a="http://schemas.openxmlformats.org/drawingml/2006/main" xmlns:r="http://schemas.openxmlformats.org/officeDocument/2006/relationships" xmlns:p="http://schemas.openxmlformats.org/presentationml/2006/main">
+  <p:cSld>
+    <p:spTree>
+      <p:nvGrpSpPr>
+        <p:cNvPr id="1" name=""/>
+        <p:cNvGrpSpPr/>
+        <p:nvPr/>
+      </p:nvGrpSpPr>
+      <p:grpSpPr>
+        <a:xfrm>
+          <a:off x="0" y="0"/>
+          <a:ext cx="0" cy="0"/>
+          <a:chOff x="0" y="0"/>
+          <a:chExt cx="0" cy="0"/>
+        </a:xfrm>
+      </p:grpSpPr>
+      <p:sp>
+        <p:nvSpPr>
+          <p:cNvPr id="2" name="Содержимое 1"/>
+          <p:cNvSpPr>
+            <a:spLocks noGrp="1"/>
+          </p:cNvSpPr>
+          <p:nvPr>
+            <p:ph idx="1"/>
+          </p:nvPr>
+        </p:nvSpPr>
+        <p:spPr>
+          <a:xfrm>
+            <a:off x="802574" y="1284931"/>
+            <a:ext cx="10515600" cy="4997896"/>
+          </a:xfrm>
+        </p:spPr>
+        <p:txBody>
+          <a:bodyPr>
+            <a:normAutofit/>
+          </a:bodyPr>
+          <a:lstStyle/>
+          <a:p>
+            <a:pPr>
+              <a:lnSpc>
+                <a:spcPct val="100000"/>
+              </a:lnSpc>
+              <a:spcBef>
+                <a:spcPts val="5400"/>
+              </a:spcBef>
+            </a:pPr>
+            <a:r>
+              <a:rPr lang="en-US" b="1" dirty="0" smtClean="0">
+                <a:solidFill>
+                  <a:srgbClr val="F3B217"/>
+                </a:solidFill>
+              </a:rPr>
+              <a:t>Control signals </a:t>
+            </a:r>
+            <a:r>
+              <a:rPr lang="en-US" dirty="0" smtClean="0"/>
+              <a:t>determine the function that the device will perform</a:t>
+            </a:r>
+          </a:p>
+          <a:p>
+            <a:pPr>
+              <a:lnSpc>
+                <a:spcPct val="100000"/>
+              </a:lnSpc>
+              <a:spcBef>
+                <a:spcPts val="5400"/>
+              </a:spcBef>
+            </a:pPr>
+            <a:r>
+              <a:rPr lang="en-US" b="1" dirty="0" smtClean="0">
+                <a:solidFill>
+                  <a:srgbClr val="F3B217"/>
+                </a:solidFill>
+              </a:rPr>
+              <a:t>Data</a:t>
+            </a:r>
+            <a:r>
+              <a:rPr lang="en-US" dirty="0" smtClean="0"/>
+              <a:t> are a set of bits to be sent to or received from the I/O module</a:t>
+            </a:r>
+          </a:p>
+          <a:p>
+            <a:pPr>
+              <a:lnSpc>
+                <a:spcPct val="100000"/>
+              </a:lnSpc>
+              <a:spcBef>
+                <a:spcPts val="5400"/>
+              </a:spcBef>
+            </a:pPr>
+            <a:r>
+              <a:rPr lang="en-US" b="1" dirty="0" smtClean="0">
+                <a:solidFill>
+                  <a:srgbClr val="F3B217"/>
+                </a:solidFill>
+              </a:rPr>
+              <a:t>Status signals </a:t>
+            </a:r>
+            <a:r>
+              <a:rPr lang="en-US" dirty="0" smtClean="0"/>
+              <a:t>indicate the state of the device</a:t>
+            </a:r>
+            <a:endParaRPr lang="ru-RU" dirty="0"/>
+          </a:p>
+        </p:txBody>
+      </p:sp>
+      <p:sp>
+        <p:nvSpPr>
+          <p:cNvPr id="3" name="Номер слайда 2"/>
+          <p:cNvSpPr>
+            <a:spLocks noGrp="1"/>
+          </p:cNvSpPr>
+          <p:nvPr>
+            <p:ph type="sldNum" sz="quarter" idx="12"/>
+          </p:nvPr>
+        </p:nvSpPr>
+        <p:spPr/>
+        <p:txBody>
+          <a:bodyPr/>
+          <a:lstStyle/>
+          <a:p>
+            <a:pPr algn="ctr"/>
+            <a:fld id="{1397BFD8-F312-4EF2-A268-44FB4BDDBBB0}" type="slidenum">
+              <a:rPr lang="ru-RU" smtClean="0"/>
+              <a:pPr algn="ctr"/>
+              <a:t>4</a:t>
+            </a:fld>
+            <a:endParaRPr lang="ru-RU" dirty="0"/>
+          </a:p>
+        </p:txBody>
+      </p:sp>
+      <p:sp>
+        <p:nvSpPr>
+          <p:cNvPr id="4" name="Заголовок 3"/>
+          <p:cNvSpPr>
+            <a:spLocks noGrp="1"/>
+          </p:cNvSpPr>
+          <p:nvPr>
+            <p:ph type="title"/>
+          </p:nvPr>
+        </p:nvSpPr>
+        <p:spPr/>
+        <p:txBody>
+          <a:bodyPr/>
+          <a:lstStyle/>
+          <a:p>
+            <a:r>
+              <a:rPr lang="en-US" dirty="0" smtClean="0"/>
+              <a:t>Signals</a:t>
+            </a:r>
+            <a:endParaRPr lang="ru-RU" dirty="0"/>
+          </a:p>
+        </p:txBody>
+      </p:sp>
+    </p:spTree>
+  </p:cSld>
+  <p:clrMapOvr>
+    <a:masterClrMapping/>
+  </p:clrMapOvr>
+  <p:timing>
+    <p:tnLst>
+      <p:par>
+        <p:cTn id="1" dur="indefinite" restart="never" nodeType="tmRoot"/>
+      </p:par>
+    </p:tnLst>
+  </p:timing>
+</p:sld>
+</file>
+
+<file path=ppt/slides/slide5.xml><?xml version="1.0" encoding="utf-8"?>
+<p:sld xmlns:a="http://schemas.openxmlformats.org/drawingml/2006/main" xmlns:r="http://schemas.openxmlformats.org/officeDocument/2006/relationships" xmlns:p="http://schemas.openxmlformats.org/presentationml/2006/main">
+  <p:cSld>
+    <p:spTree>
+      <p:nvGrpSpPr>
+        <p:cNvPr id="1" name=""/>
+        <p:cNvGrpSpPr/>
+        <p:nvPr/>
+      </p:nvGrpSpPr>
+      <p:grpSpPr>
+        <a:xfrm>
+          <a:off x="0" y="0"/>
+          <a:ext cx="0" cy="0"/>
+          <a:chOff x="0" y="0"/>
+          <a:chExt cx="0" cy="0"/>
+        </a:xfrm>
+      </p:grpSpPr>
+      <p:sp>
+        <p:nvSpPr>
+          <p:cNvPr id="2" name="Content Placeholder 1"/>
+          <p:cNvSpPr>
+            <a:spLocks noGrp="1"/>
+          </p:cNvSpPr>
+          <p:nvPr>
+            <p:ph idx="1"/>
+          </p:nvPr>
+        </p:nvSpPr>
+        <p:spPr>
+          <a:xfrm>
+            <a:off x="765048" y="1214628"/>
+            <a:ext cx="10838688" cy="5295899"/>
+          </a:xfrm>
+        </p:spPr>
+        <p:txBody>
+          <a:bodyPr>
+            <a:normAutofit fontScale="70000" lnSpcReduction="20000"/>
+          </a:bodyPr>
+          <a:lstStyle/>
+          <a:p>
+            <a:pPr>
+              <a:lnSpc>
+                <a:spcPct val="120000"/>
+              </a:lnSpc>
+              <a:spcBef>
+                <a:spcPts val="600"/>
+              </a:spcBef>
+            </a:pPr>
+            <a:r>
+              <a:rPr lang="en-US" sz="4600" dirty="0"/>
+              <a:t>Control and </a:t>
+            </a:r>
+            <a:r>
+              <a:rPr lang="en-US" sz="4600" dirty="0" smtClean="0"/>
+              <a:t>Timing</a:t>
+            </a:r>
+            <a:endParaRPr lang="en-US" sz="4600" dirty="0"/>
+          </a:p>
+          <a:p>
+            <a:pPr lvl="1">
+              <a:lnSpc>
+                <a:spcPct val="120000"/>
+              </a:lnSpc>
+              <a:spcBef>
+                <a:spcPts val="600"/>
+              </a:spcBef>
+            </a:pPr>
+            <a:r>
+              <a:rPr lang="en-US" sz="3400" dirty="0" smtClean="0"/>
+              <a:t>Coordinates </a:t>
+            </a:r>
+            <a:r>
+              <a:rPr lang="en-US" sz="3400" dirty="0"/>
+              <a:t>the flow of traffic between internal resources and external devices</a:t>
+            </a:r>
+          </a:p>
+          <a:p>
+            <a:pPr>
+              <a:lnSpc>
+                <a:spcPct val="120000"/>
+              </a:lnSpc>
+              <a:spcBef>
+                <a:spcPts val="600"/>
+              </a:spcBef>
+            </a:pPr>
+            <a:r>
+              <a:rPr lang="en-US" sz="4600" dirty="0" smtClean="0"/>
+              <a:t>Processor Communication</a:t>
+            </a:r>
+            <a:endParaRPr lang="en-US" sz="4600" dirty="0"/>
+          </a:p>
+          <a:p>
+            <a:pPr lvl="1">
+              <a:lnSpc>
+                <a:spcPct val="120000"/>
+              </a:lnSpc>
+              <a:spcBef>
+                <a:spcPts val="600"/>
+              </a:spcBef>
+            </a:pPr>
+            <a:r>
+              <a:rPr lang="en-US" sz="3400" dirty="0" smtClean="0"/>
+              <a:t>Involves </a:t>
+            </a:r>
+            <a:r>
+              <a:rPr lang="en-US" sz="3400" dirty="0"/>
+              <a:t>command decoding, data, status reporting, address recognition</a:t>
+            </a:r>
+          </a:p>
+          <a:p>
+            <a:pPr>
+              <a:lnSpc>
+                <a:spcPct val="120000"/>
+              </a:lnSpc>
+              <a:spcBef>
+                <a:spcPts val="600"/>
+              </a:spcBef>
+            </a:pPr>
+            <a:r>
+              <a:rPr lang="en-US" sz="4600" dirty="0" smtClean="0"/>
+              <a:t>Device Communication</a:t>
+            </a:r>
+            <a:endParaRPr lang="en-US" sz="4600" dirty="0"/>
+          </a:p>
+          <a:p>
+            <a:pPr lvl="1">
+              <a:lnSpc>
+                <a:spcPct val="120000"/>
+              </a:lnSpc>
+              <a:spcBef>
+                <a:spcPts val="600"/>
+              </a:spcBef>
+            </a:pPr>
+            <a:r>
+              <a:rPr lang="en-US" sz="3400" dirty="0" smtClean="0"/>
+              <a:t>Involves </a:t>
+            </a:r>
+            <a:r>
+              <a:rPr lang="en-US" sz="3400" dirty="0"/>
+              <a:t>commands, status information, and data</a:t>
+            </a:r>
+          </a:p>
+          <a:p>
+            <a:pPr>
+              <a:lnSpc>
+                <a:spcPct val="120000"/>
+              </a:lnSpc>
+              <a:spcBef>
+                <a:spcPts val="600"/>
+              </a:spcBef>
+            </a:pPr>
+            <a:r>
+              <a:rPr lang="en-US" sz="4600" dirty="0" smtClean="0"/>
+              <a:t>Data Buffering</a:t>
+            </a:r>
+            <a:endParaRPr lang="en-US" sz="4600" dirty="0"/>
+          </a:p>
+          <a:p>
+            <a:pPr lvl="1">
+              <a:lnSpc>
+                <a:spcPct val="120000"/>
+              </a:lnSpc>
+              <a:spcBef>
+                <a:spcPts val="600"/>
+              </a:spcBef>
+            </a:pPr>
+            <a:r>
+              <a:rPr lang="en-US" sz="3400" dirty="0" smtClean="0"/>
+              <a:t>Performs </a:t>
+            </a:r>
+            <a:r>
+              <a:rPr lang="en-US" sz="3400" dirty="0"/>
+              <a:t>the needed buffering operation to balance device and memory speeds</a:t>
+            </a:r>
+          </a:p>
+          <a:p>
+            <a:pPr>
+              <a:lnSpc>
+                <a:spcPct val="120000"/>
+              </a:lnSpc>
+              <a:spcBef>
+                <a:spcPts val="600"/>
+              </a:spcBef>
+            </a:pPr>
+            <a:r>
+              <a:rPr lang="en-US" sz="4600" dirty="0" smtClean="0"/>
+              <a:t>Error Detection</a:t>
+            </a:r>
+            <a:endParaRPr lang="en-US" sz="4600" dirty="0"/>
+          </a:p>
+          <a:p>
+            <a:pPr lvl="1">
+              <a:lnSpc>
+                <a:spcPct val="120000"/>
+              </a:lnSpc>
+              <a:spcBef>
+                <a:spcPts val="600"/>
+              </a:spcBef>
+            </a:pPr>
+            <a:r>
+              <a:rPr lang="en-US" sz="3400" dirty="0" smtClean="0"/>
+              <a:t>Detects </a:t>
+            </a:r>
+            <a:r>
+              <a:rPr lang="en-US" sz="3400" dirty="0"/>
+              <a:t>and reports transmission </a:t>
+            </a:r>
+            <a:r>
+              <a:rPr lang="en-US" sz="3400" dirty="0" smtClean="0"/>
+              <a:t>errors</a:t>
+            </a:r>
+            <a:endParaRPr lang="en-US" sz="4000" dirty="0"/>
+          </a:p>
+        </p:txBody>
+      </p:sp>
+      <p:sp>
+        <p:nvSpPr>
+          <p:cNvPr id="3" name="Slide Number Placeholder 2"/>
+          <p:cNvSpPr>
+            <a:spLocks noGrp="1"/>
+          </p:cNvSpPr>
+          <p:nvPr>
+            <p:ph type="sldNum" sz="quarter" idx="12"/>
+          </p:nvPr>
+        </p:nvSpPr>
+        <p:spPr/>
+        <p:txBody>
+          <a:bodyPr/>
+          <a:lstStyle/>
+          <a:p>
+            <a:pPr algn="ctr"/>
+            <a:fld id="{1397BFD8-F312-4EF2-A268-44FB4BDDBBB0}" type="slidenum">
+              <a:rPr lang="ru-RU" smtClean="0"/>
+              <a:pPr algn="ctr"/>
+              <a:t>5</a:t>
+            </a:fld>
+            <a:endParaRPr lang="ru-RU" dirty="0"/>
+          </a:p>
+        </p:txBody>
+      </p:sp>
+      <p:sp>
+        <p:nvSpPr>
+          <p:cNvPr id="4" name="Title 3"/>
+          <p:cNvSpPr>
+            <a:spLocks noGrp="1"/>
+          </p:cNvSpPr>
+          <p:nvPr>
+            <p:ph type="title"/>
+          </p:nvPr>
+        </p:nvSpPr>
+        <p:spPr/>
+        <p:txBody>
+          <a:bodyPr/>
+          <a:lstStyle/>
+          <a:p>
+            <a:r>
+              <a:rPr lang="en-US" dirty="0" smtClean="0"/>
+              <a:t>I/O Module Functions</a:t>
+            </a:r>
+            <a:endParaRPr lang="en-US" dirty="0"/>
+          </a:p>
+        </p:txBody>
+      </p:sp>
+    </p:spTree>
+    <p:extLst>
+      <p:ext uri="{BB962C8B-B14F-4D97-AF65-F5344CB8AC3E}">
+        <p14:creationId xmlns:p14="http://schemas.microsoft.com/office/powerpoint/2010/main" val="3800022302"/>
+      </p:ext>
+    </p:extLst>
+  </p:cSld>
+  <p:clrMapOvr>
+    <a:masterClrMapping/>
+  </p:clrMapOvr>
+</p:sld>
+</file>
+
+<file path=ppt/slides/slide6.xml><?xml version="1.0" encoding="utf-8"?>
+<p:sld xmlns:a="http://schemas.openxmlformats.org/drawingml/2006/main" xmlns:r="http://schemas.openxmlformats.org/officeDocument/2006/relationships" xmlns:p="http://schemas.openxmlformats.org/presentationml/2006/main">
+  <p:cSld>
+    <p:spTree>
+      <p:nvGrpSpPr>
+        <p:cNvPr id="1" name=""/>
+        <p:cNvGrpSpPr/>
+        <p:nvPr/>
+      </p:nvGrpSpPr>
+      <p:grpSpPr>
+        <a:xfrm>
+          <a:off x="0" y="0"/>
+          <a:ext cx="0" cy="0"/>
+          <a:chOff x="0" y="0"/>
+          <a:chExt cx="0" cy="0"/>
+        </a:xfrm>
+      </p:grpSpPr>
+      <p:sp>
+        <p:nvSpPr>
+          <p:cNvPr id="3" name="Slide Number Placeholder 2"/>
+          <p:cNvSpPr>
+            <a:spLocks noGrp="1"/>
+          </p:cNvSpPr>
+          <p:nvPr>
+            <p:ph type="sldNum" sz="quarter" idx="12"/>
+          </p:nvPr>
+        </p:nvSpPr>
+        <p:spPr/>
+        <p:txBody>
+          <a:bodyPr/>
+          <a:lstStyle/>
+          <a:p>
+            <a:pPr algn="ctr"/>
+            <a:fld id="{1397BFD8-F312-4EF2-A268-44FB4BDDBBB0}" type="slidenum">
+              <a:rPr lang="ru-RU" smtClean="0"/>
+              <a:pPr algn="ctr"/>
+              <a:t>6</a:t>
+            </a:fld>
+            <a:endParaRPr lang="ru-RU" dirty="0"/>
+          </a:p>
+        </p:txBody>
+      </p:sp>
+      <p:sp>
+        <p:nvSpPr>
+          <p:cNvPr id="4" name="Title 3"/>
+          <p:cNvSpPr>
+            <a:spLocks noGrp="1"/>
+          </p:cNvSpPr>
+          <p:nvPr>
+            <p:ph type="title"/>
+          </p:nvPr>
+        </p:nvSpPr>
+        <p:spPr/>
+        <p:txBody>
+          <a:bodyPr/>
+          <a:lstStyle/>
+          <a:p>
+            <a:r>
+              <a:rPr lang="en-US" dirty="0" smtClean="0"/>
+              <a:t>I/O Module Block Diagram</a:t>
+            </a:r>
+            <a:endParaRPr lang="en-US" dirty="0"/>
+          </a:p>
+        </p:txBody>
+      </p:sp>
+      <p:pic>
+        <p:nvPicPr>
+          <p:cNvPr id="6" name="Picture 5" descr="f3.pdf"/>
+          <p:cNvPicPr>
+            <a:picLocks noChangeAspect="1"/>
+          </p:cNvPicPr>
+          <p:nvPr/>
+        </p:nvPicPr>
+        <p:blipFill rotWithShape="1">
+          <a:blip r:embed="rId2">
+            <a:extLst>
+              <a:ext uri="{28A0092B-C50C-407E-A947-70E740481C1C}">
+                <a14:useLocalDpi xmlns:a14="http://schemas.microsoft.com/office/drawing/2010/main" val="0"/>
+              </a:ext>
+            </a:extLst>
+          </a:blip>
+          <a:srcRect l="5723" t="11706" r="5319" b="11247"/>
+          <a:stretch/>
+        </p:blipFill>
+        <p:spPr>
+          <a:xfrm>
+            <a:off x="1665925" y="1088399"/>
+            <a:ext cx="8860150" cy="5929823"/>
+          </a:xfrm>
+          <a:prstGeom prst="rect">
+            <a:avLst/>
+          </a:prstGeom>
+        </p:spPr>
+      </p:pic>
+      <p:sp>
+        <p:nvSpPr>
+          <p:cNvPr id="7" name="Oval 6"/>
+          <p:cNvSpPr/>
+          <p:nvPr/>
+        </p:nvSpPr>
+        <p:spPr>
+          <a:xfrm>
+            <a:off x="3090672" y="6319296"/>
+            <a:ext cx="5788152" cy="502920"/>
+          </a:xfrm>
+          <a:prstGeom prst="ellipse">
+            <a:avLst/>
+          </a:prstGeom>
+          <a:solidFill>
+            <a:schemeClr val="bg1"/>
+          </a:solidFill>
+          <a:ln>
+            <a:solidFill>
+              <a:schemeClr val="bg1"/>
+            </a:solidFill>
+          </a:ln>
+        </p:spPr>
+        <p:style>
+          <a:lnRef idx="2">
+            <a:schemeClr val="accent1">
+              <a:shade val="50000"/>
+            </a:schemeClr>
+          </a:lnRef>
+          <a:fillRef idx="1">
+            <a:schemeClr val="accent1"/>
+          </a:fillRef>
+          <a:effectRef idx="0">
+            <a:schemeClr val="accent1"/>
+          </a:effectRef>
+          <a:fontRef idx="minor">
+            <a:schemeClr val="lt1"/>
+          </a:fontRef>
+        </p:style>
+        <p:txBody>
+          <a:bodyPr rtlCol="0" anchor="ctr"/>
+          <a:lstStyle/>
+          <a:p>
+            <a:pPr algn="ctr"/>
+            <a:endParaRPr lang="en-US"/>
+          </a:p>
+        </p:txBody>
+      </p:sp>
+    </p:spTree>
+    <p:extLst>
+      <p:ext uri="{BB962C8B-B14F-4D97-AF65-F5344CB8AC3E}">
+        <p14:creationId xmlns:p14="http://schemas.microsoft.com/office/powerpoint/2010/main" val="3155827548"/>
+      </p:ext>
+    </p:extLst>
+  </p:cSld>
+  <p:clrMapOvr>
+    <a:masterClrMapping/>
+  </p:clrMapOvr>
+</p:sld>
+</file>
+
 <file path=ppt/slides/slide7.xml><?xml version="1.0" encoding="utf-8"?>
 <p:sld xmlns:a="http://schemas.openxmlformats.org/drawingml/2006/main" xmlns:r="http://schemas.openxmlformats.org/officeDocument/2006/relationships" xmlns:p="http://schemas.openxmlformats.org/presentationml/2006/main">
   <p:cSld>
@@ -6954,68 +7600,121 @@
             <p:ph idx="1"/>
           </p:nvPr>
         </p:nvSpPr>
-        <p:spPr/>
+        <p:spPr>
+          <a:xfrm>
+            <a:off x="838200" y="1047426"/>
+            <a:ext cx="10515600" cy="5739324"/>
+          </a:xfrm>
+        </p:spPr>
         <p:txBody>
           <a:bodyPr>
-            <a:normAutofit/>
+            <a:normAutofit fontScale="85000" lnSpcReduction="20000"/>
           </a:bodyPr>
           <a:lstStyle/>
           <a:p>
-            <a:pPr>
+            <a:r>
+              <a:rPr lang="en-US" sz="4200" dirty="0" smtClean="0"/>
+              <a:t>Programmed I/O</a:t>
+            </a:r>
+          </a:p>
+          <a:p>
+            <a:pPr lvl="1">
               <a:lnSpc>
                 <a:spcPct val="100000"/>
               </a:lnSpc>
               <a:spcBef>
-                <a:spcPts val="1800"/>
+                <a:spcPts val="0"/>
               </a:spcBef>
             </a:pPr>
             <a:r>
-              <a:rPr lang="en-US" dirty="0" smtClean="0"/>
-              <a:t>Processor accesses I/O devices just like memory (like keyboards, monitors, printers)</a:t>
-            </a:r>
-          </a:p>
-          <a:p>
-            <a:pPr>
+              <a:rPr lang="en-US" sz="3300" dirty="0" smtClean="0"/>
+              <a:t>Data are exchanged between the processor and the I/O module</a:t>
+            </a:r>
+          </a:p>
+          <a:p>
+            <a:pPr lvl="1">
               <a:lnSpc>
                 <a:spcPct val="100000"/>
               </a:lnSpc>
               <a:spcBef>
-                <a:spcPts val="1800"/>
+                <a:spcPts val="0"/>
               </a:spcBef>
             </a:pPr>
             <a:r>
-              <a:rPr lang="en-US" dirty="0" smtClean="0"/>
-              <a:t>Each I/O device assigned one or more address</a:t>
-            </a:r>
-          </a:p>
-          <a:p>
-            <a:pPr>
+              <a:rPr lang="en-US" sz="3300" dirty="0" smtClean="0"/>
+              <a:t>Processor executes a program that gives it direct control of the I/O operation</a:t>
+            </a:r>
+          </a:p>
+          <a:p>
+            <a:pPr lvl="1">
               <a:lnSpc>
                 <a:spcPct val="100000"/>
               </a:lnSpc>
               <a:spcBef>
-                <a:spcPts val="1800"/>
+                <a:spcPts val="0"/>
               </a:spcBef>
             </a:pPr>
             <a:r>
-              <a:rPr lang="en-US" dirty="0" smtClean="0"/>
-              <a:t>When that address is detected, data read/written to I/O device instead of memory</a:t>
-            </a:r>
-          </a:p>
-          <a:p>
-            <a:pPr>
+              <a:rPr lang="en-US" sz="3300" dirty="0" smtClean="0"/>
+              <a:t>When the processor issues a command it must wait until the I/O operation is complete</a:t>
+            </a:r>
+          </a:p>
+          <a:p>
+            <a:pPr lvl="1">
               <a:lnSpc>
                 <a:spcPct val="100000"/>
               </a:lnSpc>
               <a:spcBef>
-                <a:spcPts val="1800"/>
+                <a:spcPts val="0"/>
               </a:spcBef>
             </a:pPr>
             <a:r>
-              <a:rPr lang="en-US" dirty="0" smtClean="0"/>
-              <a:t>A portion of the address space dedicated to I/O devices</a:t>
-            </a:r>
-            <a:endParaRPr lang="en-US" dirty="0"/>
+              <a:rPr lang="en-US" sz="3300" dirty="0" smtClean="0"/>
+              <a:t>If the processor is faster than the I/O module this is wasteful of processor time</a:t>
+            </a:r>
+          </a:p>
+          <a:p>
+            <a:r>
+              <a:rPr lang="en-US" sz="4200" dirty="0" smtClean="0"/>
+              <a:t>Interrupt-driven I/O</a:t>
+            </a:r>
+          </a:p>
+          <a:p>
+            <a:pPr lvl="1">
+              <a:lnSpc>
+                <a:spcPct val="100000"/>
+              </a:lnSpc>
+              <a:spcBef>
+                <a:spcPts val="0"/>
+              </a:spcBef>
+            </a:pPr>
+            <a:r>
+              <a:rPr lang="en-US" sz="3300" dirty="0" smtClean="0"/>
+              <a:t>Processor issues an I/O command, continues to execute other instructions, and is interrupted by the I/O module when the latter has completed its work</a:t>
+            </a:r>
+          </a:p>
+          <a:p>
+            <a:r>
+              <a:rPr lang="en-US" sz="4200" dirty="0" smtClean="0"/>
+              <a:t>Direct memory access (DMA)</a:t>
+            </a:r>
+          </a:p>
+          <a:p>
+            <a:pPr lvl="1">
+              <a:lnSpc>
+                <a:spcPct val="100000"/>
+              </a:lnSpc>
+              <a:spcBef>
+                <a:spcPts val="0"/>
+              </a:spcBef>
+            </a:pPr>
+            <a:r>
+              <a:rPr lang="en-US" sz="3300" dirty="0" smtClean="0"/>
+              <a:t>The I/O module and main memory exchange data directly without processor involvement</a:t>
+            </a:r>
+          </a:p>
+          <a:p>
+            <a:endParaRPr lang="ru-RU" dirty="0"/>
           </a:p>
         </p:txBody>
       </p:sp>
@@ -7061,7 +7760,7 @@
           <a:p>
             <a:r>
               <a:rPr lang="en-US" dirty="0" smtClean="0"/>
-              <a:t>Memory-Mapped I/O (MMIO)</a:t>
+              <a:t>Three Techniques for I/O Operations</a:t>
             </a:r>
             <a:endParaRPr lang="ru-RU" dirty="0"/>
           </a:p>
@@ -7101,54 +7800,7 @@
       </p:grpSpPr>
       <p:sp>
         <p:nvSpPr>
-          <p:cNvPr id="2" name="Содержимое 1"/>
-          <p:cNvSpPr>
-            <a:spLocks noGrp="1"/>
-          </p:cNvSpPr>
-          <p:nvPr>
-            <p:ph idx="1"/>
-          </p:nvPr>
-        </p:nvSpPr>
-        <p:spPr/>
-        <p:txBody>
-          <a:bodyPr>
-            <a:normAutofit/>
-          </a:bodyPr>
-          <a:lstStyle/>
-          <a:p>
-            <a:r>
-              <a:rPr lang="en-US" b="1" dirty="0" smtClean="0">
-                <a:solidFill>
-                  <a:srgbClr val="F3B217"/>
-                </a:solidFill>
-              </a:rPr>
-              <a:t>Memory-Mapped I/O</a:t>
-            </a:r>
-            <a:r>
-              <a:rPr lang="en-US" dirty="0" smtClean="0"/>
-              <a:t> is an I/O scheme in which portions of the address space are assigned to I/O devices, and reads and writes to those addresses are interpreted as commands to the I/O device</a:t>
-            </a:r>
-          </a:p>
-          <a:p>
-            <a:r>
-              <a:rPr lang="en-US" b="1" dirty="0" smtClean="0">
-                <a:solidFill>
-                  <a:srgbClr val="F3B217"/>
-                </a:solidFill>
-              </a:rPr>
-              <a:t>Direct Memory Access (DMA) </a:t>
-            </a:r>
-            <a:r>
-              <a:rPr lang="en-US" dirty="0" smtClean="0"/>
-              <a:t>is a mechanism that provides a device controller with the ability to transfer data directly to or from the memory without involving the processor</a:t>
-            </a:r>
-            <a:endParaRPr lang="ru-RU" dirty="0"/>
-          </a:p>
-        </p:txBody>
-      </p:sp>
-      <p:sp>
-        <p:nvSpPr>
-          <p:cNvPr id="3" name="Номер слайда 2"/>
+          <p:cNvPr id="3" name="Slide Number Placeholder 2"/>
           <p:cNvSpPr>
             <a:spLocks noGrp="1"/>
           </p:cNvSpPr>
@@ -7173,7 +7825,7 @@
       </p:sp>
       <p:sp>
         <p:nvSpPr>
-          <p:cNvPr id="4" name="Заголовок 3"/>
+          <p:cNvPr id="4" name="Title 3"/>
           <p:cNvSpPr>
             <a:spLocks noGrp="1"/>
           </p:cNvSpPr>
@@ -7188,24 +7840,46 @@
           <a:p>
             <a:r>
               <a:rPr lang="en-US" dirty="0" smtClean="0"/>
-              <a:t>Key Ideas</a:t>
-            </a:r>
-            <a:endParaRPr lang="ru-RU" dirty="0"/>
-          </a:p>
-        </p:txBody>
-      </p:sp>
+              <a:t>I/O Techniques</a:t>
+            </a:r>
+            <a:endParaRPr lang="en-US" dirty="0"/>
+          </a:p>
+        </p:txBody>
+      </p:sp>
+      <p:pic>
+        <p:nvPicPr>
+          <p:cNvPr id="5" name="Picture 4"/>
+          <p:cNvPicPr>
+            <a:picLocks noChangeAspect="1"/>
+          </p:cNvPicPr>
+          <p:nvPr/>
+        </p:nvPicPr>
+        <p:blipFill>
+          <a:blip r:embed="rId2"/>
+          <a:stretch>
+            <a:fillRect/>
+          </a:stretch>
+        </p:blipFill>
+        <p:spPr>
+          <a:xfrm>
+            <a:off x="1003569" y="2057401"/>
+            <a:ext cx="10470851" cy="3468332"/>
+          </a:xfrm>
+          <a:prstGeom prst="rect">
+            <a:avLst/>
+          </a:prstGeom>
+        </p:spPr>
+      </p:pic>
     </p:spTree>
+    <p:extLst>
+      <p:ext uri="{BB962C8B-B14F-4D97-AF65-F5344CB8AC3E}">
+        <p14:creationId xmlns:p14="http://schemas.microsoft.com/office/powerpoint/2010/main" val="1943243784"/>
+      </p:ext>
+    </p:extLst>
   </p:cSld>
   <p:clrMapOvr>
     <a:masterClrMapping/>
   </p:clrMapOvr>
-  <p:timing>
-    <p:tnLst>
-      <p:par>
-        <p:cTn id="1" dur="indefinite" restart="never" nodeType="tmRoot"/>
-      </p:par>
-    </p:tnLst>
-  </p:timing>
 </p:sld>
 </file>
 
@@ -7228,69 +7902,7 @@
       </p:grpSpPr>
       <p:sp>
         <p:nvSpPr>
-          <p:cNvPr id="2" name="Содержимое 1"/>
-          <p:cNvSpPr>
-            <a:spLocks noGrp="1"/>
-          </p:cNvSpPr>
-          <p:nvPr>
-            <p:ph idx="1"/>
-          </p:nvPr>
-        </p:nvSpPr>
-        <p:spPr/>
-        <p:txBody>
-          <a:bodyPr>
-            <a:normAutofit/>
-          </a:bodyPr>
-          <a:lstStyle/>
-          <a:p>
-            <a:r>
-              <a:rPr lang="en-US" b="1" dirty="0" smtClean="0">
-                <a:solidFill>
-                  <a:srgbClr val="F3B217"/>
-                </a:solidFill>
-              </a:rPr>
-              <a:t>Interrupt-Driven I/O </a:t>
-            </a:r>
-            <a:r>
-              <a:rPr lang="en-US" dirty="0" smtClean="0"/>
-              <a:t>is an I/O scheme that employs interrupts to indicate to the processor that an I/O device needs attention</a:t>
-            </a:r>
-            <a:endParaRPr lang="ru-RU" dirty="0" smtClean="0"/>
-          </a:p>
-          <a:p>
-            <a:r>
-              <a:rPr lang="en-US" b="1" dirty="0" smtClean="0">
-                <a:solidFill>
-                  <a:srgbClr val="F7B217"/>
-                </a:solidFill>
-              </a:rPr>
-              <a:t>Polling</a:t>
-            </a:r>
-            <a:r>
-              <a:rPr lang="en-US" dirty="0" smtClean="0"/>
-              <a:t> is the process of periodically checking the status of an I/O device to determine the need to service the device</a:t>
-            </a:r>
-          </a:p>
-          <a:p>
-            <a:r>
-              <a:rPr lang="en-US" b="1" dirty="0" smtClean="0">
-                <a:solidFill>
-                  <a:srgbClr val="F7B217"/>
-                </a:solidFill>
-              </a:rPr>
-              <a:t>Device Driver </a:t>
-            </a:r>
-            <a:r>
-              <a:rPr lang="en-US" dirty="0" smtClean="0"/>
-              <a:t>is a program that controls an I/O device that is attached to the computer</a:t>
-            </a:r>
-            <a:endParaRPr lang="ru-RU" dirty="0"/>
-          </a:p>
-        </p:txBody>
-      </p:sp>
-      <p:sp>
-        <p:nvSpPr>
-          <p:cNvPr id="3" name="Номер слайда 2"/>
+          <p:cNvPr id="3" name="Slide Number Placeholder 2"/>
           <p:cNvSpPr>
             <a:spLocks noGrp="1"/>
           </p:cNvSpPr>
@@ -7315,7 +7927,7 @@
       </p:sp>
       <p:sp>
         <p:nvSpPr>
-          <p:cNvPr id="4" name="Заголовок 3"/>
+          <p:cNvPr id="4" name="Title 3"/>
           <p:cNvSpPr>
             <a:spLocks noGrp="1"/>
           </p:cNvSpPr>
@@ -7330,24 +7942,100 @@
           <a:p>
             <a:r>
               <a:rPr lang="en-US" dirty="0" smtClean="0"/>
-              <a:t>Key Ideas</a:t>
-            </a:r>
-            <a:endParaRPr lang="ru-RU" dirty="0"/>
+              <a:t>I/O Techniques</a:t>
+            </a:r>
+            <a:endParaRPr lang="en-US" dirty="0"/>
+          </a:p>
+        </p:txBody>
+      </p:sp>
+      <p:pic>
+        <p:nvPicPr>
+          <p:cNvPr id="5" name="Picture 4" descr="f4.pdf"/>
+          <p:cNvPicPr>
+            <a:picLocks noChangeAspect="1"/>
+          </p:cNvPicPr>
+          <p:nvPr/>
+        </p:nvPicPr>
+        <p:blipFill>
+          <a:blip r:embed="rId2">
+            <a:extLst>
+              <a:ext uri="{28A0092B-C50C-407E-A947-70E740481C1C}">
+                <a14:useLocalDpi xmlns:a14="http://schemas.microsoft.com/office/drawing/2010/main" val="0"/>
+              </a:ext>
+            </a:extLst>
+          </a:blip>
+          <a:stretch>
+            <a:fillRect/>
+          </a:stretch>
+        </p:blipFill>
+        <p:spPr>
+          <a:xfrm>
+            <a:off x="2574821" y="819759"/>
+            <a:ext cx="8045714" cy="6217143"/>
+          </a:xfrm>
+          <a:prstGeom prst="rect">
+            <a:avLst/>
+          </a:prstGeom>
+        </p:spPr>
+      </p:pic>
+      <p:sp>
+        <p:nvSpPr>
+          <p:cNvPr id="6" name="Rectangle 5"/>
+          <p:cNvSpPr/>
+          <p:nvPr/>
+        </p:nvSpPr>
+        <p:spPr>
+          <a:xfrm>
+            <a:off x="2773021" y="6521242"/>
+            <a:ext cx="7474226" cy="297001"/>
+          </a:xfrm>
+          <a:prstGeom prst="rect">
+            <a:avLst/>
+          </a:prstGeom>
+          <a:solidFill>
+            <a:schemeClr val="bg1"/>
+          </a:solidFill>
+          <a:ln>
+            <a:solidFill>
+              <a:schemeClr val="bg1"/>
+            </a:solidFill>
+          </a:ln>
+        </p:spPr>
+        <p:style>
+          <a:lnRef idx="2">
+            <a:schemeClr val="accent1">
+              <a:shade val="50000"/>
+            </a:schemeClr>
+          </a:lnRef>
+          <a:fillRef idx="1">
+            <a:schemeClr val="accent1"/>
+          </a:fillRef>
+          <a:effectRef idx="0">
+            <a:schemeClr val="accent1"/>
+          </a:effectRef>
+          <a:fontRef idx="minor">
+            <a:schemeClr val="lt1"/>
+          </a:fontRef>
+        </p:style>
+        <p:txBody>
+          <a:bodyPr rtlCol="0" anchor="ctr"/>
+          <a:lstStyle/>
+          <a:p>
+            <a:pPr algn="ctr"/>
+            <a:endParaRPr lang="en-US"/>
           </a:p>
         </p:txBody>
       </p:sp>
     </p:spTree>
+    <p:extLst>
+      <p:ext uri="{BB962C8B-B14F-4D97-AF65-F5344CB8AC3E}">
+        <p14:creationId xmlns:p14="http://schemas.microsoft.com/office/powerpoint/2010/main" val="1029942377"/>
+      </p:ext>
+    </p:extLst>
   </p:cSld>
   <p:clrMapOvr>
     <a:masterClrMapping/>
   </p:clrMapOvr>
-  <p:timing>
-    <p:tnLst>
-      <p:par>
-        <p:cTn id="1" dur="indefinite" restart="never" nodeType="tmRoot"/>
-      </p:par>
-    </p:tnLst>
-  </p:timing>
 </p:sld>
 </file>
 
